--- a/RDMA2017/presentations/Week3.pptx
+++ b/RDMA2017/presentations/Week3.pptx
@@ -5,11 +5,16 @@
     <p:sldMasterId id="2147483704" r:id="rId1"/>
   </p:sldMasterIdLst>
   <p:notesMasterIdLst>
-    <p:notesMasterId r:id="rId4"/>
+    <p:notesMasterId r:id="rId9"/>
   </p:notesMasterIdLst>
   <p:sldIdLst>
     <p:sldId id="256" r:id="rId2"/>
-    <p:sldId id="263" r:id="rId3"/>
+    <p:sldId id="265" r:id="rId3"/>
+    <p:sldId id="266" r:id="rId4"/>
+    <p:sldId id="269" r:id="rId5"/>
+    <p:sldId id="267" r:id="rId6"/>
+    <p:sldId id="268" r:id="rId7"/>
+    <p:sldId id="263" r:id="rId8"/>
   </p:sldIdLst>
   <p:sldSz cx="9144000" cy="6858000" type="screen4x3"/>
   <p:notesSz cx="6858000" cy="9144000"/>
@@ -202,7 +207,7 @@
           <a:p>
             <a:fld id="{1336A987-9581-5949-AB29-C00816C50686}" type="datetimeFigureOut">
               <a:rPr kumimoji="1" lang="zh-CN" altLang="en-US" smtClean="0"/>
-              <a:t>2017/7/21</a:t>
+              <a:t>2017/7/22</a:t>
             </a:fld>
             <a:endParaRPr kumimoji="1" lang="zh-CN" altLang="en-US"/>
           </a:p>
@@ -469,6 +474,1483 @@
 </p:notesMaster>
 </file>
 
+<file path=ppt/notesSlides/notesSlide1.xml><?xml version="1.0" encoding="utf-8"?>
+<p:notes xmlns:a="http://schemas.openxmlformats.org/drawingml/2006/main" xmlns:r="http://schemas.openxmlformats.org/officeDocument/2006/relationships" xmlns:p="http://schemas.openxmlformats.org/presentationml/2006/main">
+  <p:cSld>
+    <p:spTree>
+      <p:nvGrpSpPr>
+        <p:cNvPr id="1" name=""/>
+        <p:cNvGrpSpPr/>
+        <p:nvPr/>
+      </p:nvGrpSpPr>
+      <p:grpSpPr>
+        <a:xfrm>
+          <a:off x="0" y="0"/>
+          <a:ext cx="0" cy="0"/>
+          <a:chOff x="0" y="0"/>
+          <a:chExt cx="0" cy="0"/>
+        </a:xfrm>
+      </p:grpSpPr>
+      <p:sp>
+        <p:nvSpPr>
+          <p:cNvPr id="2" name="幻灯片图像占位符 1"/>
+          <p:cNvSpPr>
+            <a:spLocks noGrp="1" noRot="1" noChangeAspect="1"/>
+          </p:cNvSpPr>
+          <p:nvPr>
+            <p:ph type="sldImg"/>
+          </p:nvPr>
+        </p:nvSpPr>
+        <p:spPr/>
+      </p:sp>
+      <p:sp>
+        <p:nvSpPr>
+          <p:cNvPr id="3" name="备注占位符 2"/>
+          <p:cNvSpPr>
+            <a:spLocks noGrp="1"/>
+          </p:cNvSpPr>
+          <p:nvPr>
+            <p:ph type="body" idx="1"/>
+          </p:nvPr>
+        </p:nvSpPr>
+        <p:spPr/>
+        <p:txBody>
+          <a:bodyPr/>
+          <a:lstStyle/>
+          <a:p>
+            <a:endParaRPr lang="en-US" altLang="zh-CN" dirty="0"/>
+          </a:p>
+        </p:txBody>
+      </p:sp>
+      <p:sp>
+        <p:nvSpPr>
+          <p:cNvPr id="4" name="灯片编号占位符 3"/>
+          <p:cNvSpPr>
+            <a:spLocks noGrp="1"/>
+          </p:cNvSpPr>
+          <p:nvPr>
+            <p:ph type="sldNum" sz="quarter" idx="10"/>
+          </p:nvPr>
+        </p:nvSpPr>
+        <p:spPr/>
+        <p:txBody>
+          <a:bodyPr/>
+          <a:lstStyle/>
+          <a:p>
+            <a:fld id="{9B6F4F2C-18E5-0C4A-9639-4FA7CC50E86A}" type="slidenum">
+              <a:rPr kumimoji="1" lang="zh-CN" altLang="en-US" smtClean="0"/>
+              <a:t>2</a:t>
+            </a:fld>
+            <a:endParaRPr kumimoji="1" lang="zh-CN" altLang="en-US"/>
+          </a:p>
+        </p:txBody>
+      </p:sp>
+    </p:spTree>
+    <p:extLst>
+      <p:ext uri="{BB962C8B-B14F-4D97-AF65-F5344CB8AC3E}">
+        <p14:creationId xmlns:p14="http://schemas.microsoft.com/office/powerpoint/2010/main" val="1768968576"/>
+      </p:ext>
+    </p:extLst>
+  </p:cSld>
+  <p:clrMapOvr>
+    <a:masterClrMapping/>
+  </p:clrMapOvr>
+</p:notes>
+</file>
+
+<file path=ppt/notesSlides/notesSlide2.xml><?xml version="1.0" encoding="utf-8"?>
+<p:notes xmlns:a="http://schemas.openxmlformats.org/drawingml/2006/main" xmlns:r="http://schemas.openxmlformats.org/officeDocument/2006/relationships" xmlns:p="http://schemas.openxmlformats.org/presentationml/2006/main">
+  <p:cSld>
+    <p:spTree>
+      <p:nvGrpSpPr>
+        <p:cNvPr id="1" name=""/>
+        <p:cNvGrpSpPr/>
+        <p:nvPr/>
+      </p:nvGrpSpPr>
+      <p:grpSpPr>
+        <a:xfrm>
+          <a:off x="0" y="0"/>
+          <a:ext cx="0" cy="0"/>
+          <a:chOff x="0" y="0"/>
+          <a:chExt cx="0" cy="0"/>
+        </a:xfrm>
+      </p:grpSpPr>
+      <p:sp>
+        <p:nvSpPr>
+          <p:cNvPr id="2" name="幻灯片图像占位符 1"/>
+          <p:cNvSpPr>
+            <a:spLocks noGrp="1" noRot="1" noChangeAspect="1"/>
+          </p:cNvSpPr>
+          <p:nvPr>
+            <p:ph type="sldImg"/>
+          </p:nvPr>
+        </p:nvSpPr>
+        <p:spPr/>
+      </p:sp>
+      <p:sp>
+        <p:nvSpPr>
+          <p:cNvPr id="3" name="备注占位符 2"/>
+          <p:cNvSpPr>
+            <a:spLocks noGrp="1"/>
+          </p:cNvSpPr>
+          <p:nvPr>
+            <p:ph type="body" idx="1"/>
+          </p:nvPr>
+        </p:nvSpPr>
+        <p:spPr/>
+        <p:txBody>
+          <a:bodyPr/>
+          <a:lstStyle/>
+          <a:p>
+            <a:endParaRPr lang="zh-CN" altLang="en-US" dirty="0"/>
+          </a:p>
+        </p:txBody>
+      </p:sp>
+      <p:sp>
+        <p:nvSpPr>
+          <p:cNvPr id="4" name="灯片编号占位符 3"/>
+          <p:cNvSpPr>
+            <a:spLocks noGrp="1"/>
+          </p:cNvSpPr>
+          <p:nvPr>
+            <p:ph type="sldNum" sz="quarter" idx="10"/>
+          </p:nvPr>
+        </p:nvSpPr>
+        <p:spPr/>
+        <p:txBody>
+          <a:bodyPr/>
+          <a:lstStyle/>
+          <a:p>
+            <a:fld id="{9B6F4F2C-18E5-0C4A-9639-4FA7CC50E86A}" type="slidenum">
+              <a:rPr kumimoji="1" lang="zh-CN" altLang="en-US" smtClean="0"/>
+              <a:t>3</a:t>
+            </a:fld>
+            <a:endParaRPr kumimoji="1" lang="zh-CN" altLang="en-US"/>
+          </a:p>
+        </p:txBody>
+      </p:sp>
+    </p:spTree>
+    <p:extLst>
+      <p:ext uri="{BB962C8B-B14F-4D97-AF65-F5344CB8AC3E}">
+        <p14:creationId xmlns:p14="http://schemas.microsoft.com/office/powerpoint/2010/main" val="3252367552"/>
+      </p:ext>
+    </p:extLst>
+  </p:cSld>
+  <p:clrMapOvr>
+    <a:masterClrMapping/>
+  </p:clrMapOvr>
+</p:notes>
+</file>
+
+<file path=ppt/notesSlides/notesSlide3.xml><?xml version="1.0" encoding="utf-8"?>
+<p:notes xmlns:a="http://schemas.openxmlformats.org/drawingml/2006/main" xmlns:r="http://schemas.openxmlformats.org/officeDocument/2006/relationships" xmlns:p="http://schemas.openxmlformats.org/presentationml/2006/main">
+  <p:cSld>
+    <p:spTree>
+      <p:nvGrpSpPr>
+        <p:cNvPr id="1" name=""/>
+        <p:cNvGrpSpPr/>
+        <p:nvPr/>
+      </p:nvGrpSpPr>
+      <p:grpSpPr>
+        <a:xfrm>
+          <a:off x="0" y="0"/>
+          <a:ext cx="0" cy="0"/>
+          <a:chOff x="0" y="0"/>
+          <a:chExt cx="0" cy="0"/>
+        </a:xfrm>
+      </p:grpSpPr>
+      <p:sp>
+        <p:nvSpPr>
+          <p:cNvPr id="2" name="幻灯片图像占位符 1"/>
+          <p:cNvSpPr>
+            <a:spLocks noGrp="1" noRot="1" noChangeAspect="1"/>
+          </p:cNvSpPr>
+          <p:nvPr>
+            <p:ph type="sldImg"/>
+          </p:nvPr>
+        </p:nvSpPr>
+        <p:spPr/>
+      </p:sp>
+      <p:sp>
+        <p:nvSpPr>
+          <p:cNvPr id="3" name="备注占位符 2"/>
+          <p:cNvSpPr>
+            <a:spLocks noGrp="1"/>
+          </p:cNvSpPr>
+          <p:nvPr>
+            <p:ph type="body" idx="1"/>
+          </p:nvPr>
+        </p:nvSpPr>
+        <p:spPr/>
+        <p:txBody>
+          <a:bodyPr/>
+          <a:lstStyle/>
+          <a:p>
+            <a:r>
+              <a:rPr lang="en-US" altLang="zh-CN" dirty="0"/>
+              <a:t>Van:</a:t>
+            </a:r>
+            <a:r>
+              <a:rPr lang="zh-CN" altLang="en-US" sz="1200" b="0" i="0" kern="1200" dirty="0">
+                <a:solidFill>
+                  <a:schemeClr val="tx1"/>
+                </a:solidFill>
+                <a:effectLst/>
+                <a:latin typeface="+mn-lt"/>
+                <a:ea typeface="+mn-ea"/>
+                <a:cs typeface="+mn-cs"/>
+              </a:rPr>
+              <a:t>核心通信类，每个节点只有一个该对象</a:t>
+            </a:r>
+            <a:r>
+              <a:rPr lang="en-US" altLang="zh-CN" sz="1200" b="0" i="0" kern="1200" dirty="0">
+                <a:solidFill>
+                  <a:schemeClr val="tx1"/>
+                </a:solidFill>
+                <a:effectLst/>
+                <a:latin typeface="+mn-lt"/>
+                <a:ea typeface="+mn-ea"/>
+                <a:cs typeface="+mn-cs"/>
+              </a:rPr>
+              <a:t>. </a:t>
+            </a:r>
+            <a:r>
+              <a:rPr lang="zh-CN" altLang="en-US" sz="1200" b="0" i="0" kern="1200" dirty="0">
+                <a:solidFill>
+                  <a:schemeClr val="tx1"/>
+                </a:solidFill>
+                <a:effectLst/>
+                <a:latin typeface="+mn-lt"/>
+                <a:ea typeface="+mn-ea"/>
+                <a:cs typeface="+mn-cs"/>
+              </a:rPr>
+              <a:t>是</a:t>
+            </a:r>
+            <a:r>
+              <a:rPr lang="en-US" altLang="zh-CN" sz="1200" b="0" i="0" kern="1200" dirty="0" err="1">
+                <a:solidFill>
+                  <a:schemeClr val="tx1"/>
+                </a:solidFill>
+                <a:effectLst/>
+                <a:latin typeface="+mn-lt"/>
+                <a:ea typeface="+mn-ea"/>
+                <a:cs typeface="+mn-cs"/>
+              </a:rPr>
+              <a:t>Postoffice</a:t>
+            </a:r>
+            <a:r>
+              <a:rPr lang="zh-CN" altLang="en-US" sz="1200" b="0" i="0" kern="1200" dirty="0">
+                <a:solidFill>
+                  <a:schemeClr val="tx1"/>
+                </a:solidFill>
+                <a:effectLst/>
+                <a:latin typeface="+mn-lt"/>
+                <a:ea typeface="+mn-ea"/>
+                <a:cs typeface="+mn-cs"/>
+              </a:rPr>
+              <a:t>对象的成员</a:t>
+            </a:r>
+            <a:r>
+              <a:rPr lang="en-US" altLang="zh-CN" sz="1200" b="0" i="0" kern="1200" dirty="0">
+                <a:solidFill>
+                  <a:schemeClr val="tx1"/>
+                </a:solidFill>
+                <a:effectLst/>
+                <a:latin typeface="+mn-lt"/>
+                <a:ea typeface="+mn-ea"/>
+                <a:cs typeface="+mn-cs"/>
+              </a:rPr>
+              <a:t>.</a:t>
+            </a:r>
+          </a:p>
+          <a:p>
+            <a:endParaRPr lang="zh-CN" altLang="en-US" sz="1200" b="0" i="0" kern="1200" dirty="0">
+              <a:solidFill>
+                <a:schemeClr val="tx1"/>
+              </a:solidFill>
+              <a:effectLst/>
+              <a:latin typeface="+mn-lt"/>
+              <a:ea typeface="+mn-ea"/>
+              <a:cs typeface="+mn-cs"/>
+            </a:endParaRPr>
+          </a:p>
+          <a:p>
+            <a:r>
+              <a:rPr lang="en-US" altLang="zh-CN" sz="1200" b="0" i="0" kern="1200" dirty="0">
+                <a:solidFill>
+                  <a:schemeClr val="tx1"/>
+                </a:solidFill>
+                <a:effectLst/>
+                <a:latin typeface="+mn-lt"/>
+                <a:ea typeface="+mn-ea"/>
+                <a:cs typeface="+mn-cs"/>
+              </a:rPr>
+              <a:t>Van</a:t>
+            </a:r>
+            <a:r>
+              <a:rPr lang="zh-CN" altLang="en-US" sz="1200" b="0" i="0" kern="1200" dirty="0">
+                <a:solidFill>
+                  <a:schemeClr val="tx1"/>
+                </a:solidFill>
+                <a:effectLst/>
+                <a:latin typeface="+mn-lt"/>
+                <a:ea typeface="+mn-ea"/>
+                <a:cs typeface="+mn-cs"/>
+              </a:rPr>
+              <a:t>的职责包括</a:t>
+            </a:r>
+            <a:r>
+              <a:rPr lang="en-US" altLang="zh-CN" sz="1200" b="0" i="0" kern="1200" dirty="0">
+                <a:solidFill>
+                  <a:schemeClr val="tx1"/>
+                </a:solidFill>
+                <a:effectLst/>
+                <a:latin typeface="+mn-lt"/>
+                <a:ea typeface="+mn-ea"/>
+                <a:cs typeface="+mn-cs"/>
+              </a:rPr>
+              <a:t>:</a:t>
+            </a:r>
+          </a:p>
+          <a:p>
+            <a:pPr marL="228600" indent="-228600">
+              <a:buAutoNum type="arabicParenR"/>
+            </a:pPr>
+            <a:r>
+              <a:rPr lang="zh-CN" altLang="en-US" sz="1200" b="0" i="0" kern="1200" dirty="0">
+                <a:solidFill>
+                  <a:schemeClr val="tx1"/>
+                </a:solidFill>
+                <a:effectLst/>
+                <a:latin typeface="+mn-lt"/>
+                <a:ea typeface="+mn-ea"/>
+                <a:cs typeface="+mn-cs"/>
+              </a:rPr>
+              <a:t>建立</a:t>
+            </a:r>
+            <a:r>
+              <a:rPr lang="en-US" altLang="zh-CN" sz="1200" b="0" i="0" kern="1200" dirty="0">
+                <a:solidFill>
+                  <a:schemeClr val="tx1"/>
+                </a:solidFill>
+                <a:effectLst/>
+                <a:latin typeface="+mn-lt"/>
+                <a:ea typeface="+mn-ea"/>
+                <a:cs typeface="+mn-cs"/>
+              </a:rPr>
+              <a:t>worker</a:t>
+            </a:r>
+            <a:r>
+              <a:rPr lang="zh-CN" altLang="en-US" sz="1200" b="0" i="0" kern="1200" dirty="0">
+                <a:solidFill>
+                  <a:schemeClr val="tx1"/>
+                </a:solidFill>
+                <a:effectLst/>
+                <a:latin typeface="+mn-lt"/>
+                <a:ea typeface="+mn-ea"/>
+                <a:cs typeface="+mn-cs"/>
+              </a:rPr>
+              <a:t>和</a:t>
+            </a:r>
+            <a:r>
+              <a:rPr lang="en-US" altLang="zh-CN" sz="1200" b="0" i="0" kern="1200" dirty="0">
+                <a:solidFill>
+                  <a:schemeClr val="tx1"/>
+                </a:solidFill>
+                <a:effectLst/>
+                <a:latin typeface="+mn-lt"/>
+                <a:ea typeface="+mn-ea"/>
+                <a:cs typeface="+mn-cs"/>
+              </a:rPr>
+              <a:t>server</a:t>
+            </a:r>
+            <a:r>
+              <a:rPr lang="zh-CN" altLang="en-US" sz="1200" b="0" i="0" kern="1200" dirty="0">
+                <a:solidFill>
+                  <a:schemeClr val="tx1"/>
+                </a:solidFill>
+                <a:effectLst/>
+                <a:latin typeface="+mn-lt"/>
+                <a:ea typeface="+mn-ea"/>
+                <a:cs typeface="+mn-cs"/>
+              </a:rPr>
+              <a:t>节点之间的连接</a:t>
+            </a:r>
+            <a:r>
+              <a:rPr lang="en-US" altLang="zh-CN" sz="1200" b="0" i="0" kern="1200" dirty="0">
+                <a:solidFill>
+                  <a:schemeClr val="tx1"/>
+                </a:solidFill>
+                <a:effectLst/>
+                <a:latin typeface="+mn-lt"/>
+                <a:ea typeface="+mn-ea"/>
+                <a:cs typeface="+mn-cs"/>
+              </a:rPr>
+              <a:t>.</a:t>
+            </a:r>
+          </a:p>
+          <a:p>
+            <a:pPr marL="228600" indent="-228600">
+              <a:buAutoNum type="arabicParenR"/>
+            </a:pPr>
+            <a:r>
+              <a:rPr lang="zh-CN" altLang="en-US" sz="1200" b="0" i="0" kern="1200" dirty="0">
+                <a:solidFill>
+                  <a:schemeClr val="tx1"/>
+                </a:solidFill>
+                <a:effectLst/>
+                <a:latin typeface="+mn-lt"/>
+                <a:ea typeface="+mn-ea"/>
+                <a:cs typeface="+mn-cs"/>
+              </a:rPr>
+              <a:t>用于发送</a:t>
+            </a:r>
+            <a:r>
+              <a:rPr lang="en-US" altLang="zh-CN" sz="1200" b="0" i="0" kern="1200" dirty="0" err="1">
+                <a:solidFill>
+                  <a:schemeClr val="tx1"/>
+                </a:solidFill>
+                <a:effectLst/>
+                <a:latin typeface="+mn-lt"/>
+                <a:ea typeface="+mn-ea"/>
+                <a:cs typeface="+mn-cs"/>
+              </a:rPr>
+              <a:t>kvpairs</a:t>
+            </a:r>
+            <a:r>
+              <a:rPr lang="en-US" altLang="zh-CN" sz="1200" b="0" i="0" kern="1200" dirty="0">
+                <a:solidFill>
+                  <a:schemeClr val="tx1"/>
+                </a:solidFill>
+                <a:effectLst/>
+                <a:latin typeface="+mn-lt"/>
+                <a:ea typeface="+mn-ea"/>
+                <a:cs typeface="+mn-cs"/>
+              </a:rPr>
+              <a:t>.</a:t>
+            </a:r>
+          </a:p>
+          <a:p>
+            <a:pPr marL="228600" indent="-228600">
+              <a:buAutoNum type="arabicParenR"/>
+            </a:pPr>
+            <a:r>
+              <a:rPr lang="zh-CN" altLang="en-US" sz="1200" b="0" i="0" kern="1200" dirty="0">
+                <a:solidFill>
+                  <a:schemeClr val="tx1"/>
+                </a:solidFill>
+                <a:effectLst/>
+                <a:latin typeface="+mn-lt"/>
+                <a:ea typeface="+mn-ea"/>
+                <a:cs typeface="+mn-cs"/>
+              </a:rPr>
+              <a:t>开启一个接收线程</a:t>
+            </a:r>
+            <a:r>
+              <a:rPr lang="en-US" altLang="zh-CN" sz="1200" b="0" i="0" kern="1200" dirty="0">
+                <a:solidFill>
+                  <a:schemeClr val="tx1"/>
+                </a:solidFill>
+                <a:effectLst/>
+                <a:latin typeface="+mn-lt"/>
+                <a:ea typeface="+mn-ea"/>
+                <a:cs typeface="+mn-cs"/>
+              </a:rPr>
+              <a:t>, </a:t>
+            </a:r>
+            <a:r>
+              <a:rPr lang="zh-CN" altLang="en-US" sz="1200" b="0" i="0" kern="1200" dirty="0">
+                <a:solidFill>
+                  <a:schemeClr val="tx1"/>
+                </a:solidFill>
+                <a:effectLst/>
+                <a:latin typeface="+mn-lt"/>
+                <a:ea typeface="+mn-ea"/>
+                <a:cs typeface="+mn-cs"/>
+              </a:rPr>
+              <a:t>用于接收</a:t>
+            </a:r>
+            <a:r>
+              <a:rPr lang="en-US" altLang="zh-CN" sz="1200" b="0" i="0" kern="1200" dirty="0" err="1">
+                <a:solidFill>
+                  <a:schemeClr val="tx1"/>
+                </a:solidFill>
+                <a:effectLst/>
+                <a:latin typeface="+mn-lt"/>
+                <a:ea typeface="+mn-ea"/>
+                <a:cs typeface="+mn-cs"/>
+              </a:rPr>
+              <a:t>kvpairs</a:t>
+            </a:r>
+            <a:r>
+              <a:rPr lang="en-US" altLang="zh-CN" sz="1200" b="0" i="0" kern="1200" dirty="0">
+                <a:solidFill>
+                  <a:schemeClr val="tx1"/>
+                </a:solidFill>
+                <a:effectLst/>
+                <a:latin typeface="+mn-lt"/>
+                <a:ea typeface="+mn-ea"/>
+                <a:cs typeface="+mn-cs"/>
+              </a:rPr>
+              <a:t>.</a:t>
+            </a:r>
+          </a:p>
+          <a:p>
+            <a:pPr marL="0" indent="0">
+              <a:buNone/>
+            </a:pPr>
+            <a:endParaRPr lang="zh-CN" altLang="en-US" sz="1200" b="0" i="0" kern="1200" dirty="0">
+              <a:solidFill>
+                <a:schemeClr val="tx1"/>
+              </a:solidFill>
+              <a:effectLst/>
+              <a:latin typeface="+mn-lt"/>
+              <a:ea typeface="+mn-ea"/>
+              <a:cs typeface="+mn-cs"/>
+            </a:endParaRPr>
+          </a:p>
+          <a:p>
+            <a:r>
+              <a:rPr lang="en-US" altLang="zh-CN" sz="1200" b="0" i="0" kern="1200" dirty="0">
+                <a:solidFill>
+                  <a:schemeClr val="tx1"/>
+                </a:solidFill>
+                <a:effectLst/>
+                <a:latin typeface="+mn-lt"/>
+                <a:ea typeface="+mn-ea"/>
+                <a:cs typeface="+mn-cs"/>
+              </a:rPr>
+              <a:t>Van</a:t>
+            </a:r>
+            <a:r>
+              <a:rPr lang="zh-CN" altLang="en-US" sz="1200" b="0" i="0" kern="1200" dirty="0">
+                <a:solidFill>
+                  <a:schemeClr val="tx1"/>
+                </a:solidFill>
+                <a:effectLst/>
+                <a:latin typeface="+mn-lt"/>
+                <a:ea typeface="+mn-ea"/>
+                <a:cs typeface="+mn-cs"/>
+              </a:rPr>
+              <a:t>的子类为</a:t>
+            </a:r>
+            <a:r>
+              <a:rPr lang="en-US" altLang="zh-CN" sz="1200" b="0" i="0" kern="1200" dirty="0" err="1">
+                <a:solidFill>
+                  <a:schemeClr val="tx1"/>
+                </a:solidFill>
+                <a:effectLst/>
+                <a:latin typeface="+mn-lt"/>
+                <a:ea typeface="+mn-ea"/>
+                <a:cs typeface="+mn-cs"/>
+              </a:rPr>
+              <a:t>ZMQVan</a:t>
+            </a:r>
+            <a:r>
+              <a:rPr lang="zh-CN" altLang="en-US" sz="1200" b="0" i="0" kern="1200" dirty="0">
+                <a:solidFill>
+                  <a:schemeClr val="tx1"/>
+                </a:solidFill>
+                <a:effectLst/>
+                <a:latin typeface="+mn-lt"/>
+                <a:ea typeface="+mn-ea"/>
+                <a:cs typeface="+mn-cs"/>
+              </a:rPr>
+              <a:t>，也就是用</a:t>
+            </a:r>
+            <a:r>
+              <a:rPr lang="en-US" altLang="zh-CN" sz="1200" b="0" i="0" kern="1200" dirty="0" err="1">
+                <a:solidFill>
+                  <a:schemeClr val="tx1"/>
+                </a:solidFill>
+                <a:effectLst/>
+                <a:latin typeface="+mn-lt"/>
+                <a:ea typeface="+mn-ea"/>
+                <a:cs typeface="+mn-cs"/>
+              </a:rPr>
+              <a:t>zeromq</a:t>
+            </a:r>
+            <a:r>
+              <a:rPr lang="zh-CN" altLang="en-US" sz="1200" b="0" i="0" kern="1200" dirty="0">
+                <a:solidFill>
+                  <a:schemeClr val="tx1"/>
+                </a:solidFill>
+                <a:effectLst/>
+                <a:latin typeface="+mn-lt"/>
+                <a:ea typeface="+mn-ea"/>
+                <a:cs typeface="+mn-cs"/>
+              </a:rPr>
+              <a:t>库实现了通讯的底层细节</a:t>
+            </a:r>
+          </a:p>
+        </p:txBody>
+      </p:sp>
+      <p:sp>
+        <p:nvSpPr>
+          <p:cNvPr id="4" name="灯片编号占位符 3"/>
+          <p:cNvSpPr>
+            <a:spLocks noGrp="1"/>
+          </p:cNvSpPr>
+          <p:nvPr>
+            <p:ph type="sldNum" sz="quarter" idx="10"/>
+          </p:nvPr>
+        </p:nvSpPr>
+        <p:spPr/>
+        <p:txBody>
+          <a:bodyPr/>
+          <a:lstStyle/>
+          <a:p>
+            <a:fld id="{9B6F4F2C-18E5-0C4A-9639-4FA7CC50E86A}" type="slidenum">
+              <a:rPr kumimoji="1" lang="zh-CN" altLang="en-US" smtClean="0"/>
+              <a:t>5</a:t>
+            </a:fld>
+            <a:endParaRPr kumimoji="1" lang="zh-CN" altLang="en-US"/>
+          </a:p>
+        </p:txBody>
+      </p:sp>
+    </p:spTree>
+    <p:extLst>
+      <p:ext uri="{BB962C8B-B14F-4D97-AF65-F5344CB8AC3E}">
+        <p14:creationId xmlns:p14="http://schemas.microsoft.com/office/powerpoint/2010/main" val="2452938127"/>
+      </p:ext>
+    </p:extLst>
+  </p:cSld>
+  <p:clrMapOvr>
+    <a:masterClrMapping/>
+  </p:clrMapOvr>
+</p:notes>
+</file>
+
+<file path=ppt/notesSlides/notesSlide4.xml><?xml version="1.0" encoding="utf-8"?>
+<p:notes xmlns:a="http://schemas.openxmlformats.org/drawingml/2006/main" xmlns:r="http://schemas.openxmlformats.org/officeDocument/2006/relationships" xmlns:p="http://schemas.openxmlformats.org/presentationml/2006/main">
+  <p:cSld>
+    <p:spTree>
+      <p:nvGrpSpPr>
+        <p:cNvPr id="1" name=""/>
+        <p:cNvGrpSpPr/>
+        <p:nvPr/>
+      </p:nvGrpSpPr>
+      <p:grpSpPr>
+        <a:xfrm>
+          <a:off x="0" y="0"/>
+          <a:ext cx="0" cy="0"/>
+          <a:chOff x="0" y="0"/>
+          <a:chExt cx="0" cy="0"/>
+        </a:xfrm>
+      </p:grpSpPr>
+      <p:sp>
+        <p:nvSpPr>
+          <p:cNvPr id="2" name="幻灯片图像占位符 1"/>
+          <p:cNvSpPr>
+            <a:spLocks noGrp="1" noRot="1" noChangeAspect="1"/>
+          </p:cNvSpPr>
+          <p:nvPr>
+            <p:ph type="sldImg"/>
+          </p:nvPr>
+        </p:nvSpPr>
+        <p:spPr/>
+      </p:sp>
+      <p:sp>
+        <p:nvSpPr>
+          <p:cNvPr id="3" name="备注占位符 2"/>
+          <p:cNvSpPr>
+            <a:spLocks noGrp="1"/>
+          </p:cNvSpPr>
+          <p:nvPr>
+            <p:ph type="body" idx="1"/>
+          </p:nvPr>
+        </p:nvSpPr>
+        <p:spPr/>
+        <p:txBody>
+          <a:bodyPr/>
+          <a:lstStyle/>
+          <a:p>
+            <a:pPr fontAlgn="base"/>
+            <a:r>
+              <a:rPr lang="zh-CN" altLang="en-US" sz="1200" b="0" i="0" kern="1200" dirty="0">
+                <a:solidFill>
+                  <a:schemeClr val="tx1"/>
+                </a:solidFill>
+                <a:effectLst/>
+                <a:latin typeface="+mn-lt"/>
+                <a:ea typeface="+mn-ea"/>
+                <a:cs typeface="+mn-cs"/>
+              </a:rPr>
+              <a:t>每个节点都监听了本地一个端口；该连接的节点在启动时已经连接。 </a:t>
+            </a:r>
+            <a:br>
+              <a:rPr lang="zh-CN" altLang="en-US" sz="1200" b="0" i="0" kern="1200" dirty="0">
+                <a:solidFill>
+                  <a:schemeClr val="tx1"/>
+                </a:solidFill>
+                <a:effectLst/>
+                <a:latin typeface="+mn-lt"/>
+                <a:ea typeface="+mn-ea"/>
+                <a:cs typeface="+mn-cs"/>
+              </a:rPr>
+            </a:br>
+            <a:r>
+              <a:rPr lang="zh-CN" altLang="en-US" sz="1200" b="0" i="0" kern="1200" dirty="0">
+                <a:solidFill>
+                  <a:schemeClr val="tx1"/>
+                </a:solidFill>
+                <a:effectLst/>
+                <a:latin typeface="+mn-lt"/>
+                <a:ea typeface="+mn-ea"/>
+                <a:cs typeface="+mn-cs"/>
+              </a:rPr>
+              <a:t>对于</a:t>
+            </a:r>
+            <a:r>
+              <a:rPr lang="en-US" altLang="zh-CN" sz="1200" b="0" i="0" kern="1200" dirty="0">
+                <a:solidFill>
+                  <a:schemeClr val="tx1"/>
+                </a:solidFill>
+                <a:effectLst/>
+                <a:latin typeface="+mn-lt"/>
+                <a:ea typeface="+mn-ea"/>
+                <a:cs typeface="+mn-cs"/>
+              </a:rPr>
+              <a:t>Server</a:t>
+            </a:r>
+            <a:r>
+              <a:rPr lang="zh-CN" altLang="en-US" sz="1200" b="0" i="0" kern="1200" dirty="0">
+                <a:solidFill>
+                  <a:schemeClr val="tx1"/>
+                </a:solidFill>
+                <a:effectLst/>
+                <a:latin typeface="+mn-lt"/>
+                <a:ea typeface="+mn-ea"/>
+                <a:cs typeface="+mn-cs"/>
+              </a:rPr>
+              <a:t>节点： </a:t>
+            </a:r>
+            <a:br>
+              <a:rPr lang="zh-CN" altLang="en-US" sz="1200" b="0" i="0" kern="1200" dirty="0">
+                <a:solidFill>
+                  <a:schemeClr val="tx1"/>
+                </a:solidFill>
+                <a:effectLst/>
+                <a:latin typeface="+mn-lt"/>
+                <a:ea typeface="+mn-ea"/>
+                <a:cs typeface="+mn-cs"/>
+              </a:rPr>
+            </a:br>
+            <a:r>
+              <a:rPr lang="en-US" altLang="zh-CN" sz="1200" b="0" i="0" kern="1200" dirty="0">
+                <a:solidFill>
+                  <a:schemeClr val="tx1"/>
+                </a:solidFill>
+                <a:effectLst/>
+                <a:latin typeface="+mn-lt"/>
+                <a:ea typeface="+mn-ea"/>
+                <a:cs typeface="+mn-cs"/>
+              </a:rPr>
+              <a:t>1</a:t>
+            </a:r>
+            <a:r>
+              <a:rPr lang="zh-CN" altLang="en-US" sz="1200" b="0" i="0" kern="1200" dirty="0">
+                <a:solidFill>
+                  <a:schemeClr val="tx1"/>
+                </a:solidFill>
+                <a:effectLst/>
+                <a:latin typeface="+mn-lt"/>
+                <a:ea typeface="+mn-ea"/>
+                <a:cs typeface="+mn-cs"/>
+              </a:rPr>
+              <a:t>、</a:t>
+            </a:r>
+            <a:r>
+              <a:rPr lang="en-US" altLang="zh-CN" sz="1200" b="0" i="0" kern="1200" dirty="0">
+                <a:solidFill>
+                  <a:schemeClr val="tx1"/>
+                </a:solidFill>
+                <a:effectLst/>
+                <a:latin typeface="+mn-lt"/>
+                <a:ea typeface="+mn-ea"/>
+                <a:cs typeface="+mn-cs"/>
+              </a:rPr>
+              <a:t>Van::Receiving()</a:t>
+            </a:r>
+            <a:r>
+              <a:rPr lang="zh-CN" altLang="en-US" sz="1200" b="0" i="0" kern="1200" dirty="0">
+                <a:solidFill>
+                  <a:schemeClr val="tx1"/>
+                </a:solidFill>
+                <a:effectLst/>
+                <a:latin typeface="+mn-lt"/>
+                <a:ea typeface="+mn-ea"/>
+                <a:cs typeface="+mn-cs"/>
+              </a:rPr>
+              <a:t>函数是单独一个线程来接收数据。数据接收后，根据不同命令执行不同动作，例如</a:t>
+            </a:r>
+            <a:r>
+              <a:rPr lang="en-US" altLang="zh-CN" sz="1200" b="0" i="0" kern="1200" dirty="0">
+                <a:solidFill>
+                  <a:schemeClr val="tx1"/>
+                </a:solidFill>
+                <a:effectLst/>
+                <a:latin typeface="+mn-lt"/>
+                <a:ea typeface="+mn-ea"/>
+                <a:cs typeface="+mn-cs"/>
+              </a:rPr>
+              <a:t>Control::ADD_NODE</a:t>
+            </a:r>
+            <a:r>
+              <a:rPr lang="zh-CN" altLang="en-US" sz="1200" b="0" i="0" kern="1200" dirty="0">
+                <a:solidFill>
+                  <a:schemeClr val="tx1"/>
+                </a:solidFill>
+                <a:effectLst/>
+                <a:latin typeface="+mn-lt"/>
+                <a:ea typeface="+mn-ea"/>
+                <a:cs typeface="+mn-cs"/>
+              </a:rPr>
+              <a:t>就是添加节点。如果需要下一步处理，会将消息传递给</a:t>
+            </a:r>
+            <a:r>
+              <a:rPr lang="en-US" altLang="zh-CN" sz="1200" b="0" i="0" kern="1200" dirty="0">
+                <a:solidFill>
+                  <a:schemeClr val="tx1"/>
+                </a:solidFill>
+                <a:effectLst/>
+                <a:latin typeface="+mn-lt"/>
+                <a:ea typeface="+mn-ea"/>
+                <a:cs typeface="+mn-cs"/>
+              </a:rPr>
+              <a:t>Customer::Accept</a:t>
+            </a:r>
+            <a:r>
+              <a:rPr lang="zh-CN" altLang="en-US" sz="1200" b="0" i="0" kern="1200" dirty="0">
+                <a:solidFill>
+                  <a:schemeClr val="tx1"/>
+                </a:solidFill>
+                <a:effectLst/>
+                <a:latin typeface="+mn-lt"/>
+                <a:ea typeface="+mn-ea"/>
+                <a:cs typeface="+mn-cs"/>
+              </a:rPr>
+              <a:t>函数。 </a:t>
+            </a:r>
+            <a:br>
+              <a:rPr lang="zh-CN" altLang="en-US" sz="1200" b="0" i="0" kern="1200" dirty="0">
+                <a:solidFill>
+                  <a:schemeClr val="tx1"/>
+                </a:solidFill>
+                <a:effectLst/>
+                <a:latin typeface="+mn-lt"/>
+                <a:ea typeface="+mn-ea"/>
+                <a:cs typeface="+mn-cs"/>
+              </a:rPr>
+            </a:br>
+            <a:r>
+              <a:rPr lang="en-US" altLang="zh-CN" sz="1200" b="0" i="0" kern="1200" dirty="0">
+                <a:solidFill>
+                  <a:schemeClr val="tx1"/>
+                </a:solidFill>
+                <a:effectLst/>
+                <a:latin typeface="+mn-lt"/>
+                <a:ea typeface="+mn-ea"/>
+                <a:cs typeface="+mn-cs"/>
+              </a:rPr>
+              <a:t>2</a:t>
+            </a:r>
+            <a:r>
+              <a:rPr lang="zh-CN" altLang="en-US" sz="1200" b="0" i="0" kern="1200" dirty="0">
+                <a:solidFill>
+                  <a:schemeClr val="tx1"/>
+                </a:solidFill>
+                <a:effectLst/>
+                <a:latin typeface="+mn-lt"/>
+                <a:ea typeface="+mn-ea"/>
+                <a:cs typeface="+mn-cs"/>
+              </a:rPr>
+              <a:t>、</a:t>
+            </a:r>
+            <a:r>
+              <a:rPr lang="en-US" altLang="zh-CN" sz="1200" b="0" i="0" kern="1200" dirty="0">
+                <a:solidFill>
+                  <a:schemeClr val="tx1"/>
+                </a:solidFill>
+                <a:effectLst/>
+                <a:latin typeface="+mn-lt"/>
+                <a:ea typeface="+mn-ea"/>
+                <a:cs typeface="+mn-cs"/>
+              </a:rPr>
+              <a:t>Customer::Accept()</a:t>
+            </a:r>
+            <a:r>
+              <a:rPr lang="zh-CN" altLang="en-US" sz="1200" b="0" i="0" kern="1200" dirty="0">
+                <a:solidFill>
+                  <a:schemeClr val="tx1"/>
+                </a:solidFill>
+                <a:effectLst/>
+                <a:latin typeface="+mn-lt"/>
+                <a:ea typeface="+mn-ea"/>
+                <a:cs typeface="+mn-cs"/>
+              </a:rPr>
+              <a:t>函数将消息添加到一个队列</a:t>
+            </a:r>
+            <a:r>
+              <a:rPr lang="en-US" altLang="zh-CN" sz="1200" b="0" i="0" kern="1200" dirty="0" err="1">
+                <a:solidFill>
+                  <a:schemeClr val="tx1"/>
+                </a:solidFill>
+                <a:effectLst/>
+                <a:latin typeface="+mn-lt"/>
+                <a:ea typeface="+mn-ea"/>
+                <a:cs typeface="+mn-cs"/>
+              </a:rPr>
+              <a:t>recv_queue</a:t>
+            </a:r>
+            <a:r>
+              <a:rPr lang="en-US" altLang="zh-CN" sz="1200" b="0" i="0" kern="1200" dirty="0">
+                <a:solidFill>
+                  <a:schemeClr val="tx1"/>
+                </a:solidFill>
+                <a:effectLst/>
+                <a:latin typeface="+mn-lt"/>
+                <a:ea typeface="+mn-ea"/>
+                <a:cs typeface="+mn-cs"/>
+              </a:rPr>
+              <a:t>_</a:t>
+            </a:r>
+            <a:r>
+              <a:rPr lang="zh-CN" altLang="en-US" sz="1200" b="0" i="0" kern="1200" dirty="0">
+                <a:solidFill>
+                  <a:schemeClr val="tx1"/>
+                </a:solidFill>
+                <a:effectLst/>
+                <a:latin typeface="+mn-lt"/>
+                <a:ea typeface="+mn-ea"/>
+                <a:cs typeface="+mn-cs"/>
+              </a:rPr>
+              <a:t>；</a:t>
+            </a:r>
+            <a:r>
+              <a:rPr lang="en-US" altLang="zh-CN" sz="1200" b="0" i="0" kern="1200" dirty="0">
+                <a:solidFill>
+                  <a:schemeClr val="tx1"/>
+                </a:solidFill>
+                <a:effectLst/>
+                <a:latin typeface="+mn-lt"/>
+                <a:ea typeface="+mn-ea"/>
+                <a:cs typeface="+mn-cs"/>
+              </a:rPr>
+              <a:t>Customer::Receiving()</a:t>
+            </a:r>
+            <a:r>
+              <a:rPr lang="zh-CN" altLang="en-US" sz="1200" b="0" i="0" kern="1200" dirty="0">
+                <a:solidFill>
+                  <a:schemeClr val="tx1"/>
+                </a:solidFill>
+                <a:effectLst/>
+                <a:latin typeface="+mn-lt"/>
+                <a:ea typeface="+mn-ea"/>
+                <a:cs typeface="+mn-cs"/>
+              </a:rPr>
+              <a:t>是一个线程在运行，从队列取消息处理；处理过程中会使用函数对象</a:t>
+            </a:r>
+            <a:r>
+              <a:rPr lang="en-US" altLang="zh-CN" sz="1200" b="0" i="0" kern="1200" dirty="0" err="1">
+                <a:solidFill>
+                  <a:schemeClr val="tx1"/>
+                </a:solidFill>
+                <a:effectLst/>
+                <a:latin typeface="+mn-lt"/>
+                <a:ea typeface="+mn-ea"/>
+                <a:cs typeface="+mn-cs"/>
+              </a:rPr>
+              <a:t>recv_handle</a:t>
+            </a:r>
+            <a:r>
+              <a:rPr lang="en-US" altLang="zh-CN" sz="1200" b="0" i="0" kern="1200" dirty="0">
+                <a:solidFill>
+                  <a:schemeClr val="tx1"/>
+                </a:solidFill>
+                <a:effectLst/>
+                <a:latin typeface="+mn-lt"/>
+                <a:ea typeface="+mn-ea"/>
+                <a:cs typeface="+mn-cs"/>
+              </a:rPr>
+              <a:t>_</a:t>
+            </a:r>
+            <a:r>
+              <a:rPr lang="zh-CN" altLang="en-US" sz="1200" b="0" i="0" kern="1200" dirty="0">
+                <a:solidFill>
+                  <a:schemeClr val="tx1"/>
+                </a:solidFill>
+                <a:effectLst/>
+                <a:latin typeface="+mn-lt"/>
+                <a:ea typeface="+mn-ea"/>
+                <a:cs typeface="+mn-cs"/>
+              </a:rPr>
+              <a:t>处理消息，这个函数对象是</a:t>
+            </a:r>
+            <a:r>
+              <a:rPr lang="en-US" altLang="zh-CN" sz="1200" b="0" i="0" kern="1200" dirty="0" err="1">
+                <a:solidFill>
+                  <a:schemeClr val="tx1"/>
+                </a:solidFill>
+                <a:effectLst/>
+                <a:latin typeface="+mn-lt"/>
+                <a:ea typeface="+mn-ea"/>
+                <a:cs typeface="+mn-cs"/>
+              </a:rPr>
+              <a:t>SimpleApp</a:t>
+            </a:r>
+            <a:r>
+              <a:rPr lang="en-US" altLang="zh-CN" sz="1200" b="0" i="0" kern="1200" dirty="0">
+                <a:solidFill>
+                  <a:schemeClr val="tx1"/>
+                </a:solidFill>
+                <a:effectLst/>
+                <a:latin typeface="+mn-lt"/>
+                <a:ea typeface="+mn-ea"/>
+                <a:cs typeface="+mn-cs"/>
+              </a:rPr>
+              <a:t>::Process</a:t>
+            </a:r>
+            <a:r>
+              <a:rPr lang="zh-CN" altLang="en-US" sz="1200" b="0" i="0" kern="1200" dirty="0">
+                <a:solidFill>
+                  <a:schemeClr val="tx1"/>
+                </a:solidFill>
+                <a:effectLst/>
+                <a:latin typeface="+mn-lt"/>
+                <a:ea typeface="+mn-ea"/>
+                <a:cs typeface="+mn-cs"/>
+              </a:rPr>
+              <a:t>函数。 </a:t>
+            </a:r>
+            <a:br>
+              <a:rPr lang="zh-CN" altLang="en-US" sz="1200" b="0" i="0" kern="1200" dirty="0">
+                <a:solidFill>
+                  <a:schemeClr val="tx1"/>
+                </a:solidFill>
+                <a:effectLst/>
+                <a:latin typeface="+mn-lt"/>
+                <a:ea typeface="+mn-ea"/>
+                <a:cs typeface="+mn-cs"/>
+              </a:rPr>
+            </a:br>
+            <a:r>
+              <a:rPr lang="en-US" altLang="zh-CN" sz="1200" b="0" i="0" kern="1200" dirty="0">
+                <a:solidFill>
+                  <a:schemeClr val="tx1"/>
+                </a:solidFill>
+                <a:effectLst/>
+                <a:latin typeface="+mn-lt"/>
+                <a:ea typeface="+mn-ea"/>
+                <a:cs typeface="+mn-cs"/>
+              </a:rPr>
+              <a:t>3</a:t>
+            </a:r>
+            <a:r>
+              <a:rPr lang="zh-CN" altLang="en-US" sz="1200" b="0" i="0" kern="1200" dirty="0">
+                <a:solidFill>
+                  <a:schemeClr val="tx1"/>
+                </a:solidFill>
+                <a:effectLst/>
+                <a:latin typeface="+mn-lt"/>
+                <a:ea typeface="+mn-ea"/>
+                <a:cs typeface="+mn-cs"/>
+              </a:rPr>
+              <a:t>、</a:t>
+            </a:r>
+            <a:r>
+              <a:rPr lang="en-US" altLang="zh-CN" sz="1200" b="0" i="0" kern="1200" dirty="0" err="1">
+                <a:solidFill>
+                  <a:schemeClr val="tx1"/>
+                </a:solidFill>
+                <a:effectLst/>
+                <a:latin typeface="+mn-lt"/>
+                <a:ea typeface="+mn-ea"/>
+                <a:cs typeface="+mn-cs"/>
+              </a:rPr>
+              <a:t>SimpleApp</a:t>
+            </a:r>
+            <a:r>
+              <a:rPr lang="en-US" altLang="zh-CN" sz="1200" b="0" i="0" kern="1200" dirty="0">
+                <a:solidFill>
+                  <a:schemeClr val="tx1"/>
+                </a:solidFill>
+                <a:effectLst/>
+                <a:latin typeface="+mn-lt"/>
+                <a:ea typeface="+mn-ea"/>
+                <a:cs typeface="+mn-cs"/>
+              </a:rPr>
+              <a:t>::Process</a:t>
+            </a:r>
+            <a:r>
+              <a:rPr lang="zh-CN" altLang="en-US" sz="1200" b="0" i="0" kern="1200" dirty="0">
+                <a:solidFill>
+                  <a:schemeClr val="tx1"/>
+                </a:solidFill>
+                <a:effectLst/>
+                <a:latin typeface="+mn-lt"/>
+                <a:ea typeface="+mn-ea"/>
+                <a:cs typeface="+mn-cs"/>
+              </a:rPr>
+              <a:t>根据是消息类型（请求</a:t>
+            </a:r>
+            <a:r>
+              <a:rPr lang="en-US" altLang="zh-CN" sz="1200" b="0" i="0" kern="1200" dirty="0">
+                <a:solidFill>
+                  <a:schemeClr val="tx1"/>
+                </a:solidFill>
+                <a:effectLst/>
+                <a:latin typeface="+mn-lt"/>
+                <a:ea typeface="+mn-ea"/>
+                <a:cs typeface="+mn-cs"/>
+              </a:rPr>
+              <a:t>or</a:t>
+            </a:r>
+            <a:r>
+              <a:rPr lang="zh-CN" altLang="en-US" sz="1200" b="0" i="0" kern="1200" dirty="0">
+                <a:solidFill>
+                  <a:schemeClr val="tx1"/>
+                </a:solidFill>
+                <a:effectLst/>
+                <a:latin typeface="+mn-lt"/>
+                <a:ea typeface="+mn-ea"/>
+                <a:cs typeface="+mn-cs"/>
+              </a:rPr>
+              <a:t>响应，调用用户注册的函数来处理消息，</a:t>
+            </a:r>
+            <a:r>
+              <a:rPr lang="en-US" altLang="zh-CN" sz="1200" b="0" i="0" kern="1200" dirty="0" err="1">
+                <a:solidFill>
+                  <a:schemeClr val="tx1"/>
+                </a:solidFill>
+                <a:effectLst/>
+                <a:latin typeface="+mn-lt"/>
+                <a:ea typeface="+mn-ea"/>
+                <a:cs typeface="+mn-cs"/>
+              </a:rPr>
+              <a:t>request_handle</a:t>
+            </a:r>
+            <a:r>
+              <a:rPr lang="en-US" altLang="zh-CN" sz="1200" b="0" i="0" kern="1200" dirty="0">
+                <a:solidFill>
+                  <a:schemeClr val="tx1"/>
+                </a:solidFill>
+                <a:effectLst/>
+                <a:latin typeface="+mn-lt"/>
+                <a:ea typeface="+mn-ea"/>
+                <a:cs typeface="+mn-cs"/>
+              </a:rPr>
+              <a:t>_</a:t>
+            </a:r>
+            <a:r>
+              <a:rPr lang="zh-CN" altLang="en-US" sz="1200" b="0" i="0" kern="1200" dirty="0">
+                <a:solidFill>
+                  <a:schemeClr val="tx1"/>
+                </a:solidFill>
+                <a:effectLst/>
+                <a:latin typeface="+mn-lt"/>
+                <a:ea typeface="+mn-ea"/>
+                <a:cs typeface="+mn-cs"/>
+              </a:rPr>
+              <a:t>、</a:t>
+            </a:r>
+            <a:r>
+              <a:rPr lang="en-US" altLang="zh-CN" sz="1200" b="0" i="0" kern="1200" dirty="0" err="1">
+                <a:solidFill>
+                  <a:schemeClr val="tx1"/>
+                </a:solidFill>
+                <a:effectLst/>
+                <a:latin typeface="+mn-lt"/>
+                <a:ea typeface="+mn-ea"/>
+                <a:cs typeface="+mn-cs"/>
+              </a:rPr>
+              <a:t>response_handle</a:t>
+            </a:r>
+            <a:r>
+              <a:rPr lang="en-US" altLang="zh-CN" sz="1200" b="0" i="0" kern="1200" dirty="0">
+                <a:solidFill>
+                  <a:schemeClr val="tx1"/>
+                </a:solidFill>
+                <a:effectLst/>
+                <a:latin typeface="+mn-lt"/>
+                <a:ea typeface="+mn-ea"/>
+                <a:cs typeface="+mn-cs"/>
+              </a:rPr>
+              <a:t>_</a:t>
+            </a:r>
+            <a:r>
+              <a:rPr lang="zh-CN" altLang="en-US" sz="1200" b="0" i="0" kern="1200" dirty="0">
+                <a:solidFill>
+                  <a:schemeClr val="tx1"/>
+                </a:solidFill>
+                <a:effectLst/>
+                <a:latin typeface="+mn-lt"/>
+                <a:ea typeface="+mn-ea"/>
+                <a:cs typeface="+mn-cs"/>
+              </a:rPr>
+              <a:t>分别处理请求和响应。</a:t>
+            </a:r>
+          </a:p>
+          <a:p>
+            <a:pPr fontAlgn="base"/>
+            <a:r>
+              <a:rPr lang="zh-CN" altLang="en-US" sz="1200" b="0" i="0" kern="1200" dirty="0">
+                <a:solidFill>
+                  <a:schemeClr val="tx1"/>
+                </a:solidFill>
+                <a:effectLst/>
+                <a:latin typeface="+mn-lt"/>
+                <a:ea typeface="+mn-ea"/>
+                <a:cs typeface="+mn-cs"/>
+              </a:rPr>
+              <a:t>对于</a:t>
+            </a:r>
+            <a:r>
+              <a:rPr lang="en-US" altLang="zh-CN" sz="1200" b="0" i="0" kern="1200" dirty="0">
+                <a:solidFill>
+                  <a:schemeClr val="tx1"/>
+                </a:solidFill>
+                <a:effectLst/>
+                <a:latin typeface="+mn-lt"/>
+                <a:ea typeface="+mn-ea"/>
+                <a:cs typeface="+mn-cs"/>
+              </a:rPr>
+              <a:t>Worker</a:t>
+            </a:r>
+            <a:r>
+              <a:rPr lang="zh-CN" altLang="en-US" sz="1200" b="0" i="0" kern="1200" dirty="0">
+                <a:solidFill>
+                  <a:schemeClr val="tx1"/>
+                </a:solidFill>
+                <a:effectLst/>
+                <a:latin typeface="+mn-lt"/>
+                <a:ea typeface="+mn-ea"/>
+                <a:cs typeface="+mn-cs"/>
+              </a:rPr>
+              <a:t>节点，上面第</a:t>
+            </a:r>
+            <a:r>
+              <a:rPr lang="en-US" altLang="zh-CN" sz="1200" b="0" i="0" kern="1200" dirty="0">
+                <a:solidFill>
+                  <a:schemeClr val="tx1"/>
+                </a:solidFill>
+                <a:effectLst/>
+                <a:latin typeface="+mn-lt"/>
+                <a:ea typeface="+mn-ea"/>
+                <a:cs typeface="+mn-cs"/>
+              </a:rPr>
+              <a:t>3</a:t>
+            </a:r>
+            <a:r>
+              <a:rPr lang="zh-CN" altLang="en-US" sz="1200" b="0" i="0" kern="1200" dirty="0">
+                <a:solidFill>
+                  <a:schemeClr val="tx1"/>
+                </a:solidFill>
+                <a:effectLst/>
+                <a:latin typeface="+mn-lt"/>
+                <a:ea typeface="+mn-ea"/>
+                <a:cs typeface="+mn-cs"/>
+              </a:rPr>
+              <a:t>点略有不同。因为</a:t>
+            </a:r>
+            <a:r>
+              <a:rPr lang="en-US" altLang="zh-CN" sz="1200" b="0" i="0" kern="1200" dirty="0">
+                <a:solidFill>
+                  <a:schemeClr val="tx1"/>
+                </a:solidFill>
+                <a:effectLst/>
+                <a:latin typeface="+mn-lt"/>
+                <a:ea typeface="+mn-ea"/>
+                <a:cs typeface="+mn-cs"/>
+              </a:rPr>
+              <a:t>Worker</a:t>
+            </a:r>
+            <a:r>
+              <a:rPr lang="zh-CN" altLang="en-US" sz="1200" b="0" i="0" kern="1200" dirty="0">
+                <a:solidFill>
+                  <a:schemeClr val="tx1"/>
+                </a:solidFill>
+                <a:effectLst/>
+                <a:latin typeface="+mn-lt"/>
+                <a:ea typeface="+mn-ea"/>
+                <a:cs typeface="+mn-cs"/>
+              </a:rPr>
+              <a:t>都是通过</a:t>
+            </a:r>
+            <a:r>
+              <a:rPr lang="en-US" altLang="zh-CN" sz="1200" b="0" i="0" kern="1200" dirty="0">
+                <a:solidFill>
+                  <a:schemeClr val="tx1"/>
+                </a:solidFill>
+                <a:effectLst/>
+                <a:latin typeface="+mn-lt"/>
+                <a:ea typeface="+mn-ea"/>
+                <a:cs typeface="+mn-cs"/>
+              </a:rPr>
+              <a:t>Push</a:t>
+            </a:r>
+            <a:r>
+              <a:rPr lang="zh-CN" altLang="en-US" sz="1200" b="0" i="0" kern="1200" dirty="0">
+                <a:solidFill>
+                  <a:schemeClr val="tx1"/>
+                </a:solidFill>
+                <a:effectLst/>
+                <a:latin typeface="+mn-lt"/>
+                <a:ea typeface="+mn-ea"/>
+                <a:cs typeface="+mn-cs"/>
+              </a:rPr>
+              <a:t>、</a:t>
+            </a:r>
+            <a:r>
+              <a:rPr lang="en-US" altLang="zh-CN" sz="1200" b="0" i="0" kern="1200" dirty="0">
+                <a:solidFill>
+                  <a:schemeClr val="tx1"/>
+                </a:solidFill>
+                <a:effectLst/>
+                <a:latin typeface="+mn-lt"/>
+                <a:ea typeface="+mn-ea"/>
+                <a:cs typeface="+mn-cs"/>
+              </a:rPr>
+              <a:t>Pull</a:t>
+            </a:r>
+            <a:r>
+              <a:rPr lang="zh-CN" altLang="en-US" sz="1200" b="0" i="0" kern="1200" dirty="0">
+                <a:solidFill>
+                  <a:schemeClr val="tx1"/>
+                </a:solidFill>
+                <a:effectLst/>
+                <a:latin typeface="+mn-lt"/>
+                <a:ea typeface="+mn-ea"/>
+                <a:cs typeface="+mn-cs"/>
+              </a:rPr>
+              <a:t>来通信，而且参数都是</a:t>
+            </a:r>
+            <a:r>
+              <a:rPr lang="en-US" altLang="zh-CN" sz="1200" b="0" i="0" kern="1200" dirty="0">
+                <a:solidFill>
+                  <a:schemeClr val="tx1"/>
+                </a:solidFill>
+                <a:effectLst/>
+                <a:latin typeface="+mn-lt"/>
+                <a:ea typeface="+mn-ea"/>
+                <a:cs typeface="+mn-cs"/>
+              </a:rPr>
+              <a:t>key-value</a:t>
+            </a:r>
+            <a:r>
+              <a:rPr lang="zh-CN" altLang="en-US" sz="1200" b="0" i="0" kern="1200" dirty="0">
+                <a:solidFill>
+                  <a:schemeClr val="tx1"/>
+                </a:solidFill>
+                <a:effectLst/>
+                <a:latin typeface="+mn-lt"/>
+                <a:ea typeface="+mn-ea"/>
+                <a:cs typeface="+mn-cs"/>
+              </a:rPr>
+              <a:t>对。</a:t>
+            </a:r>
+            <a:r>
+              <a:rPr lang="en-US" altLang="zh-CN" sz="1200" b="0" i="0" kern="1200" dirty="0">
+                <a:solidFill>
+                  <a:schemeClr val="tx1"/>
+                </a:solidFill>
+                <a:effectLst/>
+                <a:latin typeface="+mn-lt"/>
+                <a:ea typeface="+mn-ea"/>
+                <a:cs typeface="+mn-cs"/>
+              </a:rPr>
+              <a:t>Pull·</a:t>
+            </a:r>
+            <a:r>
+              <a:rPr lang="zh-CN" altLang="en-US" sz="1200" b="0" i="0" kern="1200" dirty="0">
+                <a:solidFill>
+                  <a:schemeClr val="tx1"/>
+                </a:solidFill>
+                <a:effectLst/>
+                <a:latin typeface="+mn-lt"/>
+                <a:ea typeface="+mn-ea"/>
+                <a:cs typeface="+mn-cs"/>
+              </a:rPr>
+              <a:t>参数时，通过</a:t>
+            </a:r>
+            <a:r>
+              <a:rPr lang="en-US" altLang="zh-CN" sz="1200" b="0" i="0" kern="1200" dirty="0" err="1">
+                <a:solidFill>
+                  <a:schemeClr val="tx1"/>
+                </a:solidFill>
+                <a:effectLst/>
+                <a:latin typeface="+mn-lt"/>
+                <a:ea typeface="+mn-ea"/>
+                <a:cs typeface="+mn-cs"/>
+              </a:rPr>
+              <a:t>KVWorker</a:t>
+            </a:r>
+            <a:r>
+              <a:rPr lang="en-US" altLang="zh-CN" sz="1200" b="0" i="0" kern="1200" dirty="0">
+                <a:solidFill>
+                  <a:schemeClr val="tx1"/>
+                </a:solidFill>
+                <a:effectLst/>
+                <a:latin typeface="+mn-lt"/>
+                <a:ea typeface="+mn-ea"/>
+                <a:cs typeface="+mn-cs"/>
+              </a:rPr>
+              <a:t>::Process</a:t>
+            </a:r>
+            <a:r>
+              <a:rPr lang="zh-CN" altLang="en-US" sz="1200" b="0" i="0" kern="1200">
+                <a:solidFill>
+                  <a:schemeClr val="tx1"/>
+                </a:solidFill>
+                <a:effectLst/>
+                <a:latin typeface="+mn-lt"/>
+                <a:ea typeface="+mn-ea"/>
+                <a:cs typeface="+mn-cs"/>
+              </a:rPr>
+              <a:t>调用回调函数来处理消息。</a:t>
+            </a:r>
+          </a:p>
+          <a:p>
+            <a:endParaRPr lang="zh-CN" altLang="en-US" dirty="0"/>
+          </a:p>
+        </p:txBody>
+      </p:sp>
+      <p:sp>
+        <p:nvSpPr>
+          <p:cNvPr id="4" name="灯片编号占位符 3"/>
+          <p:cNvSpPr>
+            <a:spLocks noGrp="1"/>
+          </p:cNvSpPr>
+          <p:nvPr>
+            <p:ph type="sldNum" sz="quarter" idx="10"/>
+          </p:nvPr>
+        </p:nvSpPr>
+        <p:spPr/>
+        <p:txBody>
+          <a:bodyPr/>
+          <a:lstStyle/>
+          <a:p>
+            <a:fld id="{9B6F4F2C-18E5-0C4A-9639-4FA7CC50E86A}" type="slidenum">
+              <a:rPr kumimoji="1" lang="zh-CN" altLang="en-US" smtClean="0"/>
+              <a:t>6</a:t>
+            </a:fld>
+            <a:endParaRPr kumimoji="1" lang="zh-CN" altLang="en-US"/>
+          </a:p>
+        </p:txBody>
+      </p:sp>
+    </p:spTree>
+    <p:extLst>
+      <p:ext uri="{BB962C8B-B14F-4D97-AF65-F5344CB8AC3E}">
+        <p14:creationId xmlns:p14="http://schemas.microsoft.com/office/powerpoint/2010/main" val="3723659235"/>
+      </p:ext>
+    </p:extLst>
+  </p:cSld>
+  <p:clrMapOvr>
+    <a:masterClrMapping/>
+  </p:clrMapOvr>
+</p:notes>
+</file>
+
 <file path=ppt/slideLayouts/slideLayout1.xml><?xml version="1.0" encoding="utf-8"?>
 <p:sldLayout xmlns:a="http://schemas.openxmlformats.org/drawingml/2006/main" xmlns:r="http://schemas.openxmlformats.org/officeDocument/2006/relationships" xmlns:p="http://schemas.openxmlformats.org/presentationml/2006/main" showMasterSp="0" type="title" preserve="1">
   <p:cSld name="标题幻灯片">
@@ -639,7 +2121,7 @@
             <a:fld id="{B61BEF0D-F0BB-DE4B-95CE-6DB70DBA9567}" type="datetimeFigureOut">
               <a:rPr lang="en-US" smtClean="0"/>
               <a:pPr/>
-              <a:t>7/21/2017</a:t>
+              <a:t>7/22/2017</a:t>
             </a:fld>
             <a:endParaRPr lang="en-US" dirty="0"/>
           </a:p>
@@ -970,7 +2452,7 @@
           <a:p>
             <a:fld id="{55C6B4A9-1611-4792-9094-5F34BCA07E0B}" type="datetimeFigureOut">
               <a:rPr lang="en-US" smtClean="0"/>
-              <a:t>7/21/2017</a:t>
+              <a:t>7/22/2017</a:t>
             </a:fld>
             <a:endParaRPr lang="en-US" dirty="0"/>
           </a:p>
@@ -1151,7 +2633,7 @@
             <a:fld id="{B61BEF0D-F0BB-DE4B-95CE-6DB70DBA9567}" type="datetimeFigureOut">
               <a:rPr lang="en-US" smtClean="0"/>
               <a:pPr/>
-              <a:t>7/21/2017</a:t>
+              <a:t>7/22/2017</a:t>
             </a:fld>
             <a:endParaRPr lang="en-US" dirty="0"/>
           </a:p>
@@ -1240,13 +2722,18 @@
             <p:ph type="title"/>
           </p:nvPr>
         </p:nvSpPr>
-        <p:spPr/>
+        <p:spPr>
+          <a:xfrm>
+            <a:off x="1028700" y="685800"/>
+            <a:ext cx="7200900" cy="1014214"/>
+          </a:xfrm>
+        </p:spPr>
         <p:txBody>
           <a:bodyPr/>
           <a:lstStyle/>
           <a:p>
             <a:r>
-              <a:rPr lang="zh-CN" altLang="en-US"/>
+              <a:rPr lang="zh-CN" altLang="en-US" dirty="0"/>
               <a:t>单击此处编辑母版标题样式</a:t>
             </a:r>
             <a:endParaRPr lang="en-US" dirty="0"/>
@@ -1263,42 +2750,65 @@
             <p:ph idx="1"/>
           </p:nvPr>
         </p:nvSpPr>
-        <p:spPr/>
-        <p:txBody>
-          <a:bodyPr/>
-          <a:lstStyle/>
+        <p:spPr>
+          <a:xfrm>
+            <a:off x="1028700" y="1828800"/>
+            <a:ext cx="7200900" cy="4038600"/>
+          </a:xfrm>
+        </p:spPr>
+        <p:txBody>
+          <a:bodyPr>
+            <a:normAutofit/>
+          </a:bodyPr>
+          <a:lstStyle>
+            <a:lvl1pPr>
+              <a:defRPr sz="2000"/>
+            </a:lvl1pPr>
+            <a:lvl2pPr>
+              <a:defRPr sz="2000"/>
+            </a:lvl2pPr>
+            <a:lvl3pPr>
+              <a:defRPr sz="1800"/>
+            </a:lvl3pPr>
+            <a:lvl4pPr>
+              <a:defRPr sz="1800"/>
+            </a:lvl4pPr>
+            <a:lvl5pPr>
+              <a:defRPr sz="1800"/>
+            </a:lvl5pPr>
+          </a:lstStyle>
           <a:p>
             <a:pPr lvl="0"/>
             <a:r>
-              <a:rPr lang="zh-CN" altLang="en-US"/>
+              <a:rPr lang="zh-CN" altLang="en-US" dirty="0"/>
               <a:t>单击此处编辑母版文本样式</a:t>
             </a:r>
           </a:p>
           <a:p>
             <a:pPr lvl="1"/>
             <a:r>
-              <a:rPr lang="zh-CN" altLang="en-US"/>
+              <a:rPr lang="zh-CN" altLang="en-US" dirty="0"/>
               <a:t>二级</a:t>
             </a:r>
           </a:p>
           <a:p>
             <a:pPr lvl="2"/>
             <a:r>
-              <a:rPr lang="zh-CN" altLang="en-US"/>
+              <a:rPr lang="zh-CN" altLang="en-US" dirty="0"/>
               <a:t>三级</a:t>
             </a:r>
           </a:p>
           <a:p>
             <a:pPr lvl="3"/>
             <a:r>
-              <a:rPr lang="zh-CN" altLang="en-US"/>
+              <a:rPr lang="zh-CN" altLang="en-US" dirty="0"/>
               <a:t>四级</a:t>
             </a:r>
           </a:p>
           <a:p>
             <a:pPr lvl="4"/>
             <a:r>
-              <a:rPr lang="zh-CN" altLang="en-US"/>
+              <a:rPr lang="zh-CN" altLang="en-US" dirty="0"/>
               <a:t>五级</a:t>
             </a:r>
             <a:endParaRPr lang="en-US" dirty="0"/>
@@ -1323,7 +2833,7 @@
             <a:fld id="{B61BEF0D-F0BB-DE4B-95CE-6DB70DBA9567}" type="datetimeFigureOut">
               <a:rPr lang="en-US" smtClean="0"/>
               <a:pPr/>
-              <a:t>7/21/2017</a:t>
+              <a:t>7/22/2017</a:t>
             </a:fld>
             <a:endParaRPr lang="en-US" dirty="0"/>
           </a:p>
@@ -1602,7 +3112,7 @@
             <a:fld id="{B61BEF0D-F0BB-DE4B-95CE-6DB70DBA9567}" type="datetimeFigureOut">
               <a:rPr lang="en-US" smtClean="0"/>
               <a:pPr/>
-              <a:t>7/21/2017</a:t>
+              <a:t>7/22/2017</a:t>
             </a:fld>
             <a:endParaRPr lang="en-US" dirty="0"/>
           </a:p>
@@ -1997,7 +3507,7 @@
           <a:p>
             <a:fld id="{EB712588-04B1-427B-82EE-E8DB90309F08}" type="datetimeFigureOut">
               <a:rPr lang="en-US" smtClean="0"/>
-              <a:t>7/21/2017</a:t>
+              <a:t>7/22/2017</a:t>
             </a:fld>
             <a:endParaRPr lang="en-US" dirty="0"/>
           </a:p>
@@ -2475,7 +3985,7 @@
             <a:fld id="{B61BEF0D-F0BB-DE4B-95CE-6DB70DBA9567}" type="datetimeFigureOut">
               <a:rPr lang="en-US" smtClean="0"/>
               <a:pPr/>
-              <a:t>7/21/2017</a:t>
+              <a:t>7/22/2017</a:t>
             </a:fld>
             <a:endParaRPr lang="en-US" dirty="0"/>
           </a:p>
@@ -2595,7 +4105,7 @@
             <a:fld id="{B61BEF0D-F0BB-DE4B-95CE-6DB70DBA9567}" type="datetimeFigureOut">
               <a:rPr lang="en-US" smtClean="0"/>
               <a:pPr/>
-              <a:t>7/21/2017</a:t>
+              <a:t>7/22/2017</a:t>
             </a:fld>
             <a:endParaRPr lang="en-US" dirty="0"/>
           </a:p>
@@ -2692,7 +4202,7 @@
             <a:fld id="{B61BEF0D-F0BB-DE4B-95CE-6DB70DBA9567}" type="datetimeFigureOut">
               <a:rPr lang="en-US" smtClean="0"/>
               <a:pPr/>
-              <a:t>7/21/2017</a:t>
+              <a:t>7/22/2017</a:t>
             </a:fld>
             <a:endParaRPr lang="en-US" dirty="0"/>
           </a:p>
@@ -3039,7 +4549,7 @@
           <a:p>
             <a:fld id="{42A54C80-263E-416B-A8E0-580EDEADCBDC}" type="datetimeFigureOut">
               <a:rPr lang="en-US" smtClean="0"/>
-              <a:t>7/21/2017</a:t>
+              <a:t>7/22/2017</a:t>
             </a:fld>
             <a:endParaRPr lang="en-US" dirty="0"/>
           </a:p>
@@ -3428,7 +4938,7 @@
             <a:fld id="{B61BEF0D-F0BB-DE4B-95CE-6DB70DBA9567}" type="datetimeFigureOut">
               <a:rPr lang="en-US" smtClean="0"/>
               <a:pPr/>
-              <a:t>7/21/2017</a:t>
+              <a:t>7/22/2017</a:t>
             </a:fld>
             <a:endParaRPr lang="en-US" dirty="0"/>
           </a:p>
@@ -3708,7 +5218,7 @@
             <a:fld id="{B61BEF0D-F0BB-DE4B-95CE-6DB70DBA9567}" type="datetimeFigureOut">
               <a:rPr lang="en-US" smtClean="0"/>
               <a:pPr/>
-              <a:t>7/21/2017</a:t>
+              <a:t>7/22/2017</a:t>
             </a:fld>
             <a:endParaRPr lang="en-US" dirty="0"/>
           </a:p>
@@ -4392,6 +5902,900 @@
       </p:grpSpPr>
       <p:sp>
         <p:nvSpPr>
+          <p:cNvPr id="2" name="标题 1">
+            <a:extLst>
+              <a:ext uri="{FF2B5EF4-FFF2-40B4-BE49-F238E27FC236}">
+                <a16:creationId xmlns:a16="http://schemas.microsoft.com/office/drawing/2014/main" id="{70A78A53-101B-47BD-995C-A65F8DE89362}"/>
+              </a:ext>
+            </a:extLst>
+          </p:cNvPr>
+          <p:cNvSpPr>
+            <a:spLocks noGrp="1"/>
+          </p:cNvSpPr>
+          <p:nvPr>
+            <p:ph type="title"/>
+          </p:nvPr>
+        </p:nvSpPr>
+        <p:spPr/>
+        <p:txBody>
+          <a:bodyPr/>
+          <a:lstStyle/>
+          <a:p>
+            <a:r>
+              <a:rPr lang="en-US" altLang="zh-CN" dirty="0" err="1"/>
+              <a:t>KVStore</a:t>
+            </a:r>
+            <a:endParaRPr lang="zh-CN" altLang="en-US" dirty="0"/>
+          </a:p>
+        </p:txBody>
+      </p:sp>
+      <p:sp>
+        <p:nvSpPr>
+          <p:cNvPr id="3" name="内容占位符 2">
+            <a:extLst>
+              <a:ext uri="{FF2B5EF4-FFF2-40B4-BE49-F238E27FC236}">
+                <a16:creationId xmlns:a16="http://schemas.microsoft.com/office/drawing/2014/main" id="{83FA4051-7494-418C-B652-224BA4270025}"/>
+              </a:ext>
+            </a:extLst>
+          </p:cNvPr>
+          <p:cNvSpPr>
+            <a:spLocks noGrp="1"/>
+          </p:cNvSpPr>
+          <p:nvPr>
+            <p:ph idx="1"/>
+          </p:nvPr>
+        </p:nvSpPr>
+        <p:spPr>
+          <a:xfrm>
+            <a:off x="1028700" y="1828799"/>
+            <a:ext cx="7200900" cy="4549967"/>
+          </a:xfrm>
+        </p:spPr>
+        <p:txBody>
+          <a:bodyPr>
+            <a:normAutofit/>
+          </a:bodyPr>
+          <a:lstStyle/>
+          <a:p>
+            <a:r>
+              <a:rPr lang="en-US" altLang="zh-CN" dirty="0"/>
+              <a:t>Object sharing across devices (GPUs, computers).</a:t>
+            </a:r>
+          </a:p>
+          <a:p>
+            <a:r>
+              <a:rPr lang="en-US" altLang="zh-CN" dirty="0">
+                <a:latin typeface="Consolas" panose="020B0609020204030204" pitchFamily="49" charset="0"/>
+              </a:rPr>
+              <a:t>key</a:t>
+            </a:r>
+            <a:r>
+              <a:rPr lang="en-US" altLang="zh-CN" dirty="0"/>
+              <a:t>: represents a weight subscript.</a:t>
+            </a:r>
+          </a:p>
+          <a:p>
+            <a:r>
+              <a:rPr lang="en-US" altLang="zh-CN" dirty="0">
+                <a:latin typeface="Consolas" panose="020B0609020204030204" pitchFamily="49" charset="0"/>
+              </a:rPr>
+              <a:t>value</a:t>
+            </a:r>
+            <a:r>
+              <a:rPr lang="en-US" altLang="zh-CN" dirty="0"/>
+              <a:t>: represents a weight’s value.</a:t>
+            </a:r>
+          </a:p>
+          <a:p>
+            <a:pPr marL="0" indent="0">
+              <a:buNone/>
+            </a:pPr>
+            <a:endParaRPr lang="en-US" altLang="zh-CN" sz="1050" dirty="0"/>
+          </a:p>
+          <a:p>
+            <a:r>
+              <a:rPr lang="en-US" altLang="zh-CN" dirty="0">
+                <a:latin typeface="Consolas" panose="020B0609020204030204" pitchFamily="49" charset="0"/>
+              </a:rPr>
+              <a:t>push</a:t>
+            </a:r>
+            <a:r>
+              <a:rPr lang="en-US" altLang="zh-CN" dirty="0"/>
+              <a:t>: Update a key’s corresponding value.</a:t>
+            </a:r>
+          </a:p>
+          <a:p>
+            <a:r>
+              <a:rPr lang="en-US" altLang="zh-CN" dirty="0">
+                <a:latin typeface="Consolas" panose="020B0609020204030204" pitchFamily="49" charset="0"/>
+              </a:rPr>
+              <a:t>pull</a:t>
+            </a:r>
+            <a:r>
+              <a:rPr lang="en-US" altLang="zh-CN" dirty="0"/>
+              <a:t>: Fetch </a:t>
+            </a:r>
+            <a:r>
+              <a:rPr lang="en-US" altLang="zh-CN"/>
+              <a:t>a value by its key.</a:t>
+            </a:r>
+            <a:endParaRPr lang="en-US" altLang="zh-CN" dirty="0"/>
+          </a:p>
+          <a:p>
+            <a:pPr marL="0" indent="0">
+              <a:buNone/>
+            </a:pPr>
+            <a:endParaRPr lang="en-US" altLang="zh-CN" sz="1000" dirty="0"/>
+          </a:p>
+          <a:p>
+            <a:r>
+              <a:rPr lang="en-US" altLang="zh-CN" dirty="0">
+                <a:latin typeface="Consolas" panose="020B0609020204030204" pitchFamily="49" charset="0"/>
+              </a:rPr>
+              <a:t>updater</a:t>
+            </a:r>
+            <a:r>
+              <a:rPr lang="en-US" altLang="zh-CN" dirty="0"/>
+              <a:t>: The behavior when pushing the same key.</a:t>
+            </a:r>
+          </a:p>
+          <a:p>
+            <a:pPr lvl="1"/>
+            <a:r>
+              <a:rPr lang="en-US" altLang="zh-CN" i="0" dirty="0"/>
+              <a:t>Bind my own updater function to implement the update of weight during the SGD process.</a:t>
+            </a:r>
+          </a:p>
+          <a:p>
+            <a:pPr marL="0" lvl="1" indent="0">
+              <a:buNone/>
+            </a:pPr>
+            <a:endParaRPr lang="en-US" altLang="zh-CN" sz="1000" i="0" dirty="0"/>
+          </a:p>
+          <a:p>
+            <a:r>
+              <a:rPr lang="en-US" altLang="zh-CN" dirty="0"/>
+              <a:t>B</a:t>
+            </a:r>
+            <a:r>
+              <a:rPr lang="en-US" altLang="zh-CN" i="0" dirty="0"/>
+              <a:t>atch </a:t>
+            </a:r>
+            <a:r>
+              <a:rPr lang="en-US" altLang="zh-CN" i="0" dirty="0">
+                <a:latin typeface="Consolas" panose="020B0609020204030204" pitchFamily="49" charset="0"/>
+              </a:rPr>
+              <a:t>push</a:t>
+            </a:r>
+            <a:r>
+              <a:rPr lang="en-US" altLang="zh-CN" i="0" dirty="0"/>
+              <a:t> &amp; </a:t>
+            </a:r>
+            <a:r>
+              <a:rPr lang="en-US" altLang="zh-CN" i="0" dirty="0">
+                <a:latin typeface="Consolas" panose="020B0609020204030204" pitchFamily="49" charset="0"/>
+              </a:rPr>
+              <a:t>pull</a:t>
+            </a:r>
+            <a:r>
+              <a:rPr lang="en-US" altLang="zh-CN" i="0" dirty="0"/>
+              <a:t>.</a:t>
+            </a:r>
+          </a:p>
+        </p:txBody>
+      </p:sp>
+      <p:cxnSp>
+        <p:nvCxnSpPr>
+          <p:cNvPr id="6" name="直接连接符 5">
+            <a:extLst>
+              <a:ext uri="{FF2B5EF4-FFF2-40B4-BE49-F238E27FC236}">
+                <a16:creationId xmlns:a16="http://schemas.microsoft.com/office/drawing/2014/main" id="{A4DD9E86-63BD-407D-862C-2260E50C9AF7}"/>
+              </a:ext>
+            </a:extLst>
+          </p:cNvPr>
+          <p:cNvCxnSpPr>
+            <a:cxnSpLocks/>
+          </p:cNvCxnSpPr>
+          <p:nvPr/>
+        </p:nvCxnSpPr>
+        <p:spPr>
+          <a:xfrm>
+            <a:off x="1123720" y="3183873"/>
+            <a:ext cx="7403335" cy="0"/>
+          </a:xfrm>
+          <a:prstGeom prst="line">
+            <a:avLst/>
+          </a:prstGeom>
+        </p:spPr>
+        <p:style>
+          <a:lnRef idx="1">
+            <a:schemeClr val="accent1"/>
+          </a:lnRef>
+          <a:fillRef idx="0">
+            <a:schemeClr val="accent1"/>
+          </a:fillRef>
+          <a:effectRef idx="0">
+            <a:schemeClr val="accent1"/>
+          </a:effectRef>
+          <a:fontRef idx="minor">
+            <a:schemeClr val="tx1"/>
+          </a:fontRef>
+        </p:style>
+      </p:cxnSp>
+      <p:cxnSp>
+        <p:nvCxnSpPr>
+          <p:cNvPr id="8" name="直接连接符 7">
+            <a:extLst>
+              <a:ext uri="{FF2B5EF4-FFF2-40B4-BE49-F238E27FC236}">
+                <a16:creationId xmlns:a16="http://schemas.microsoft.com/office/drawing/2014/main" id="{D94451C0-5C4A-403D-B643-00246412E616}"/>
+              </a:ext>
+            </a:extLst>
+          </p:cNvPr>
+          <p:cNvCxnSpPr>
+            <a:cxnSpLocks/>
+          </p:cNvCxnSpPr>
+          <p:nvPr/>
+        </p:nvCxnSpPr>
+        <p:spPr>
+          <a:xfrm>
+            <a:off x="1123720" y="4316774"/>
+            <a:ext cx="7403335" cy="0"/>
+          </a:xfrm>
+          <a:prstGeom prst="line">
+            <a:avLst/>
+          </a:prstGeom>
+        </p:spPr>
+        <p:style>
+          <a:lnRef idx="1">
+            <a:schemeClr val="accent1"/>
+          </a:lnRef>
+          <a:fillRef idx="0">
+            <a:schemeClr val="accent1"/>
+          </a:fillRef>
+          <a:effectRef idx="0">
+            <a:schemeClr val="accent1"/>
+          </a:effectRef>
+          <a:fontRef idx="minor">
+            <a:schemeClr val="tx1"/>
+          </a:fontRef>
+        </p:style>
+      </p:cxnSp>
+      <p:cxnSp>
+        <p:nvCxnSpPr>
+          <p:cNvPr id="9" name="直接连接符 8">
+            <a:extLst>
+              <a:ext uri="{FF2B5EF4-FFF2-40B4-BE49-F238E27FC236}">
+                <a16:creationId xmlns:a16="http://schemas.microsoft.com/office/drawing/2014/main" id="{70CF0E74-5DE8-4915-83C4-372224986713}"/>
+              </a:ext>
+            </a:extLst>
+          </p:cNvPr>
+          <p:cNvCxnSpPr>
+            <a:cxnSpLocks/>
+          </p:cNvCxnSpPr>
+          <p:nvPr/>
+        </p:nvCxnSpPr>
+        <p:spPr>
+          <a:xfrm>
+            <a:off x="1123720" y="5592894"/>
+            <a:ext cx="7403335" cy="0"/>
+          </a:xfrm>
+          <a:prstGeom prst="line">
+            <a:avLst/>
+          </a:prstGeom>
+        </p:spPr>
+        <p:style>
+          <a:lnRef idx="1">
+            <a:schemeClr val="accent1"/>
+          </a:lnRef>
+          <a:fillRef idx="0">
+            <a:schemeClr val="accent1"/>
+          </a:fillRef>
+          <a:effectRef idx="0">
+            <a:schemeClr val="accent1"/>
+          </a:effectRef>
+          <a:fontRef idx="minor">
+            <a:schemeClr val="tx1"/>
+          </a:fontRef>
+        </p:style>
+      </p:cxnSp>
+    </p:spTree>
+    <p:extLst>
+      <p:ext uri="{BB962C8B-B14F-4D97-AF65-F5344CB8AC3E}">
+        <p14:creationId xmlns:p14="http://schemas.microsoft.com/office/powerpoint/2010/main" val="504227682"/>
+      </p:ext>
+    </p:extLst>
+  </p:cSld>
+  <p:clrMapOvr>
+    <a:masterClrMapping/>
+  </p:clrMapOvr>
+</p:sld>
+</file>
+
+<file path=ppt/slides/slide3.xml><?xml version="1.0" encoding="utf-8"?>
+<p:sld xmlns:a="http://schemas.openxmlformats.org/drawingml/2006/main" xmlns:r="http://schemas.openxmlformats.org/officeDocument/2006/relationships" xmlns:p="http://schemas.openxmlformats.org/presentationml/2006/main">
+  <p:cSld>
+    <p:spTree>
+      <p:nvGrpSpPr>
+        <p:cNvPr id="1" name=""/>
+        <p:cNvGrpSpPr/>
+        <p:nvPr/>
+      </p:nvGrpSpPr>
+      <p:grpSpPr>
+        <a:xfrm>
+          <a:off x="0" y="0"/>
+          <a:ext cx="0" cy="0"/>
+          <a:chOff x="0" y="0"/>
+          <a:chExt cx="0" cy="0"/>
+        </a:xfrm>
+      </p:grpSpPr>
+      <p:sp>
+        <p:nvSpPr>
+          <p:cNvPr id="2" name="标题 1">
+            <a:extLst>
+              <a:ext uri="{FF2B5EF4-FFF2-40B4-BE49-F238E27FC236}">
+                <a16:creationId xmlns:a16="http://schemas.microsoft.com/office/drawing/2014/main" id="{DD93D298-DC1E-42C4-9487-F7132146A6E4}"/>
+              </a:ext>
+            </a:extLst>
+          </p:cNvPr>
+          <p:cNvSpPr>
+            <a:spLocks noGrp="1"/>
+          </p:cNvSpPr>
+          <p:nvPr>
+            <p:ph type="title"/>
+          </p:nvPr>
+        </p:nvSpPr>
+        <p:spPr/>
+        <p:txBody>
+          <a:bodyPr/>
+          <a:lstStyle/>
+          <a:p>
+            <a:r>
+              <a:rPr lang="en-US" altLang="zh-CN" dirty="0" err="1">
+                <a:latin typeface="Consolas" panose="020B0609020204030204" pitchFamily="49" charset="0"/>
+              </a:rPr>
+              <a:t>ps</a:t>
+            </a:r>
+            <a:r>
+              <a:rPr lang="en-US" altLang="zh-CN" dirty="0">
+                <a:latin typeface="Consolas" panose="020B0609020204030204" pitchFamily="49" charset="0"/>
+              </a:rPr>
+              <a:t>-lite</a:t>
+            </a:r>
+            <a:r>
+              <a:rPr lang="en-US" altLang="zh-CN" dirty="0"/>
+              <a:t> Architecture</a:t>
+            </a:r>
+            <a:endParaRPr lang="zh-CN" altLang="en-US" dirty="0"/>
+          </a:p>
+        </p:txBody>
+      </p:sp>
+      <p:sp>
+        <p:nvSpPr>
+          <p:cNvPr id="3" name="内容占位符 2">
+            <a:extLst>
+              <a:ext uri="{FF2B5EF4-FFF2-40B4-BE49-F238E27FC236}">
+                <a16:creationId xmlns:a16="http://schemas.microsoft.com/office/drawing/2014/main" id="{D4F46FBB-81AA-43F3-9002-E7C6974EBB5D}"/>
+              </a:ext>
+            </a:extLst>
+          </p:cNvPr>
+          <p:cNvSpPr>
+            <a:spLocks noGrp="1"/>
+          </p:cNvSpPr>
+          <p:nvPr>
+            <p:ph idx="1"/>
+          </p:nvPr>
+        </p:nvSpPr>
+        <p:spPr>
+          <a:xfrm>
+            <a:off x="1028699" y="4021156"/>
+            <a:ext cx="7200900" cy="2198783"/>
+          </a:xfrm>
+        </p:spPr>
+        <p:txBody>
+          <a:bodyPr>
+            <a:normAutofit/>
+          </a:bodyPr>
+          <a:lstStyle/>
+          <a:p>
+            <a:r>
+              <a:rPr lang="en-US" altLang="zh-CN" sz="1800" b="1" dirty="0"/>
+              <a:t>Server: </a:t>
+            </a:r>
+            <a:r>
+              <a:rPr lang="en-US" altLang="zh-CN" sz="1800" dirty="0"/>
+              <a:t>Maintains and updates the model weights. </a:t>
+            </a:r>
+          </a:p>
+          <a:p>
+            <a:pPr lvl="1"/>
+            <a:r>
+              <a:rPr lang="en-US" altLang="zh-CN" sz="1800" dirty="0"/>
+              <a:t>Each server node maintains only a part of the model.</a:t>
+            </a:r>
+          </a:p>
+          <a:p>
+            <a:r>
+              <a:rPr lang="en-US" altLang="zh-CN" sz="1800" b="1" dirty="0"/>
+              <a:t>Worker: </a:t>
+            </a:r>
+            <a:r>
+              <a:rPr lang="en-US" altLang="zh-CN" sz="1800" dirty="0"/>
+              <a:t>1) Performs computation. 2) Pushes the computed gradient to the servers. 3) Pulls the recent model from servers.</a:t>
+            </a:r>
+          </a:p>
+          <a:p>
+            <a:r>
+              <a:rPr lang="en-US" altLang="zh-CN" sz="1800" b="1" dirty="0" err="1"/>
+              <a:t>Scheduer</a:t>
+            </a:r>
+            <a:r>
+              <a:rPr lang="en-US" altLang="zh-CN" sz="1800" b="1" dirty="0"/>
+              <a:t>: </a:t>
+            </a:r>
+            <a:r>
+              <a:rPr lang="en-US" altLang="zh-CN" sz="1800" dirty="0"/>
+              <a:t>Monitors the other nodes.</a:t>
+            </a:r>
+            <a:endParaRPr lang="en-US" altLang="zh-CN" sz="1800" b="1" dirty="0"/>
+          </a:p>
+          <a:p>
+            <a:endParaRPr lang="zh-CN" altLang="en-US" sz="1800" dirty="0"/>
+          </a:p>
+        </p:txBody>
+      </p:sp>
+      <p:pic>
+        <p:nvPicPr>
+          <p:cNvPr id="2053" name="Picture 5" descr="https://raw.githubusercontent.com/dmlc/dmlc.github.io/master/img/ps-arch.png">
+            <a:extLst>
+              <a:ext uri="{FF2B5EF4-FFF2-40B4-BE49-F238E27FC236}">
+                <a16:creationId xmlns:a16="http://schemas.microsoft.com/office/drawing/2014/main" id="{3A553B0A-5C01-46C5-B894-07EC86A8640A}"/>
+              </a:ext>
+            </a:extLst>
+          </p:cNvPr>
+          <p:cNvPicPr>
+            <a:picLocks noChangeAspect="1" noChangeArrowheads="1"/>
+          </p:cNvPicPr>
+          <p:nvPr/>
+        </p:nvPicPr>
+        <p:blipFill>
+          <a:blip r:embed="rId3">
+            <a:extLst>
+              <a:ext uri="{28A0092B-C50C-407E-A947-70E740481C1C}">
+                <a14:useLocalDpi xmlns:a14="http://schemas.microsoft.com/office/drawing/2010/main" val="0"/>
+              </a:ext>
+            </a:extLst>
+          </a:blip>
+          <a:srcRect/>
+          <a:stretch>
+            <a:fillRect/>
+          </a:stretch>
+        </p:blipFill>
+        <p:spPr bwMode="auto">
+          <a:xfrm>
+            <a:off x="2269475" y="1430241"/>
+            <a:ext cx="4713899" cy="2434651"/>
+          </a:xfrm>
+          <a:prstGeom prst="rect">
+            <a:avLst/>
+          </a:prstGeom>
+          <a:noFill/>
+          <a:extLst>
+            <a:ext uri="{909E8E84-426E-40DD-AFC4-6F175D3DCCD1}">
+              <a14:hiddenFill xmlns:a14="http://schemas.microsoft.com/office/drawing/2010/main">
+                <a:solidFill>
+                  <a:srgbClr val="FFFFFF"/>
+                </a:solidFill>
+              </a14:hiddenFill>
+            </a:ext>
+          </a:extLst>
+        </p:spPr>
+      </p:pic>
+    </p:spTree>
+    <p:extLst>
+      <p:ext uri="{BB962C8B-B14F-4D97-AF65-F5344CB8AC3E}">
+        <p14:creationId xmlns:p14="http://schemas.microsoft.com/office/powerpoint/2010/main" val="1602490291"/>
+      </p:ext>
+    </p:extLst>
+  </p:cSld>
+  <p:clrMapOvr>
+    <a:masterClrMapping/>
+  </p:clrMapOvr>
+</p:sld>
+</file>
+
+<file path=ppt/slides/slide4.xml><?xml version="1.0" encoding="utf-8"?>
+<p:sld xmlns:a="http://schemas.openxmlformats.org/drawingml/2006/main" xmlns:r="http://schemas.openxmlformats.org/officeDocument/2006/relationships" xmlns:p="http://schemas.openxmlformats.org/presentationml/2006/main">
+  <p:cSld>
+    <p:spTree>
+      <p:nvGrpSpPr>
+        <p:cNvPr id="1" name=""/>
+        <p:cNvGrpSpPr/>
+        <p:nvPr/>
+      </p:nvGrpSpPr>
+      <p:grpSpPr>
+        <a:xfrm>
+          <a:off x="0" y="0"/>
+          <a:ext cx="0" cy="0"/>
+          <a:chOff x="0" y="0"/>
+          <a:chExt cx="0" cy="0"/>
+        </a:xfrm>
+      </p:grpSpPr>
+      <p:sp>
+        <p:nvSpPr>
+          <p:cNvPr id="2" name="标题 1">
+            <a:extLst>
+              <a:ext uri="{FF2B5EF4-FFF2-40B4-BE49-F238E27FC236}">
+                <a16:creationId xmlns:a16="http://schemas.microsoft.com/office/drawing/2014/main" id="{8761C317-4DD2-4C76-AC8A-52D4D2765665}"/>
+              </a:ext>
+            </a:extLst>
+          </p:cNvPr>
+          <p:cNvSpPr>
+            <a:spLocks noGrp="1"/>
+          </p:cNvSpPr>
+          <p:nvPr>
+            <p:ph type="title"/>
+          </p:nvPr>
+        </p:nvSpPr>
+        <p:spPr/>
+        <p:txBody>
+          <a:bodyPr/>
+          <a:lstStyle/>
+          <a:p>
+            <a:r>
+              <a:rPr lang="en-US" altLang="zh-CN" dirty="0" err="1">
+                <a:latin typeface="Consolas" panose="020B0609020204030204" pitchFamily="49" charset="0"/>
+              </a:rPr>
+              <a:t>ps</a:t>
+            </a:r>
+            <a:r>
+              <a:rPr lang="en-US" altLang="zh-CN" dirty="0">
+                <a:latin typeface="Consolas" panose="020B0609020204030204" pitchFamily="49" charset="0"/>
+              </a:rPr>
+              <a:t>-lite</a:t>
+            </a:r>
+            <a:r>
+              <a:rPr lang="en-US" altLang="zh-CN" dirty="0"/>
+              <a:t> Architecture</a:t>
+            </a:r>
+            <a:endParaRPr lang="zh-CN" altLang="en-US" dirty="0"/>
+          </a:p>
+        </p:txBody>
+      </p:sp>
+      <p:pic>
+        <p:nvPicPr>
+          <p:cNvPr id="3074" name="Picture 2" descr="此处输入图片的描述">
+            <a:extLst>
+              <a:ext uri="{FF2B5EF4-FFF2-40B4-BE49-F238E27FC236}">
+                <a16:creationId xmlns:a16="http://schemas.microsoft.com/office/drawing/2014/main" id="{EB5E0549-87BF-41D0-82B1-B3D0FD39695F}"/>
+              </a:ext>
+            </a:extLst>
+          </p:cNvPr>
+          <p:cNvPicPr>
+            <a:picLocks noGrp="1" noChangeAspect="1" noChangeArrowheads="1" noCrop="1"/>
+          </p:cNvPicPr>
+          <p:nvPr>
+            <p:ph idx="1"/>
+          </p:nvPr>
+        </p:nvPicPr>
+        <p:blipFill>
+          <a:blip r:embed="rId2">
+            <a:extLst>
+              <a:ext uri="{28A0092B-C50C-407E-A947-70E740481C1C}">
+                <a14:useLocalDpi xmlns:a14="http://schemas.microsoft.com/office/drawing/2010/main" val="0"/>
+              </a:ext>
+            </a:extLst>
+          </a:blip>
+          <a:srcRect/>
+          <a:stretch>
+            <a:fillRect/>
+          </a:stretch>
+        </p:blipFill>
+        <p:spPr bwMode="auto">
+          <a:xfrm>
+            <a:off x="1960789" y="1828800"/>
+            <a:ext cx="5336721" cy="4038600"/>
+          </a:xfrm>
+          <a:prstGeom prst="rect">
+            <a:avLst/>
+          </a:prstGeom>
+          <a:noFill/>
+          <a:extLst>
+            <a:ext uri="{909E8E84-426E-40DD-AFC4-6F175D3DCCD1}">
+              <a14:hiddenFill xmlns:a14="http://schemas.microsoft.com/office/drawing/2010/main">
+                <a:solidFill>
+                  <a:srgbClr val="FFFFFF"/>
+                </a:solidFill>
+              </a14:hiddenFill>
+            </a:ext>
+          </a:extLst>
+        </p:spPr>
+      </p:pic>
+    </p:spTree>
+    <p:extLst>
+      <p:ext uri="{BB962C8B-B14F-4D97-AF65-F5344CB8AC3E}">
+        <p14:creationId xmlns:p14="http://schemas.microsoft.com/office/powerpoint/2010/main" val="2779729134"/>
+      </p:ext>
+    </p:extLst>
+  </p:cSld>
+  <p:clrMapOvr>
+    <a:masterClrMapping/>
+  </p:clrMapOvr>
+</p:sld>
+</file>
+
+<file path=ppt/slides/slide5.xml><?xml version="1.0" encoding="utf-8"?>
+<p:sld xmlns:a="http://schemas.openxmlformats.org/drawingml/2006/main" xmlns:r="http://schemas.openxmlformats.org/officeDocument/2006/relationships" xmlns:p="http://schemas.openxmlformats.org/presentationml/2006/main">
+  <p:cSld>
+    <p:spTree>
+      <p:nvGrpSpPr>
+        <p:cNvPr id="1" name=""/>
+        <p:cNvGrpSpPr/>
+        <p:nvPr/>
+      </p:nvGrpSpPr>
+      <p:grpSpPr>
+        <a:xfrm>
+          <a:off x="0" y="0"/>
+          <a:ext cx="0" cy="0"/>
+          <a:chOff x="0" y="0"/>
+          <a:chExt cx="0" cy="0"/>
+        </a:xfrm>
+      </p:grpSpPr>
+      <p:sp>
+        <p:nvSpPr>
+          <p:cNvPr id="2" name="标题 1">
+            <a:extLst>
+              <a:ext uri="{FF2B5EF4-FFF2-40B4-BE49-F238E27FC236}">
+                <a16:creationId xmlns:a16="http://schemas.microsoft.com/office/drawing/2014/main" id="{600F5681-4B56-4710-AE3B-E311DC7C37B5}"/>
+              </a:ext>
+            </a:extLst>
+          </p:cNvPr>
+          <p:cNvSpPr>
+            <a:spLocks noGrp="1"/>
+          </p:cNvSpPr>
+          <p:nvPr>
+            <p:ph type="title"/>
+          </p:nvPr>
+        </p:nvSpPr>
+        <p:spPr/>
+        <p:txBody>
+          <a:bodyPr/>
+          <a:lstStyle/>
+          <a:p>
+            <a:r>
+              <a:rPr lang="en-US" altLang="zh-CN" dirty="0" err="1">
+                <a:latin typeface="Consolas" panose="020B0609020204030204" pitchFamily="49" charset="0"/>
+              </a:rPr>
+              <a:t>ps</a:t>
+            </a:r>
+            <a:r>
+              <a:rPr lang="en-US" altLang="zh-CN" dirty="0">
+                <a:latin typeface="Consolas" panose="020B0609020204030204" pitchFamily="49" charset="0"/>
+              </a:rPr>
+              <a:t>-lite</a:t>
+            </a:r>
+            <a:r>
+              <a:rPr lang="en-US" altLang="zh-CN" dirty="0"/>
+              <a:t> Architecture</a:t>
+            </a:r>
+            <a:endParaRPr lang="zh-CN" altLang="en-US" dirty="0"/>
+          </a:p>
+        </p:txBody>
+      </p:sp>
+      <p:pic>
+        <p:nvPicPr>
+          <p:cNvPr id="4" name="内容占位符 3">
+            <a:extLst>
+              <a:ext uri="{FF2B5EF4-FFF2-40B4-BE49-F238E27FC236}">
+                <a16:creationId xmlns:a16="http://schemas.microsoft.com/office/drawing/2014/main" id="{C4283100-6394-42B5-B360-861D41104359}"/>
+              </a:ext>
+            </a:extLst>
+          </p:cNvPr>
+          <p:cNvPicPr>
+            <a:picLocks noGrp="1" noChangeAspect="1"/>
+          </p:cNvPicPr>
+          <p:nvPr>
+            <p:ph idx="1"/>
+          </p:nvPr>
+        </p:nvPicPr>
+        <p:blipFill>
+          <a:blip r:embed="rId3"/>
+          <a:stretch>
+            <a:fillRect/>
+          </a:stretch>
+        </p:blipFill>
+        <p:spPr>
+          <a:xfrm>
+            <a:off x="1028700" y="1828122"/>
+            <a:ext cx="7200900" cy="4220931"/>
+          </a:xfrm>
+          <a:prstGeom prst="rect">
+            <a:avLst/>
+          </a:prstGeom>
+        </p:spPr>
+      </p:pic>
+      <p:sp>
+        <p:nvSpPr>
+          <p:cNvPr id="5" name="矩形 4">
+            <a:extLst>
+              <a:ext uri="{FF2B5EF4-FFF2-40B4-BE49-F238E27FC236}">
+                <a16:creationId xmlns:a16="http://schemas.microsoft.com/office/drawing/2014/main" id="{389D7C5C-398F-47B5-AD2A-8FEC81BA8431}"/>
+              </a:ext>
+            </a:extLst>
+          </p:cNvPr>
+          <p:cNvSpPr/>
+          <p:nvPr/>
+        </p:nvSpPr>
+        <p:spPr>
+          <a:xfrm>
+            <a:off x="1028699" y="6177161"/>
+            <a:ext cx="7564458" cy="369332"/>
+          </a:xfrm>
+          <a:prstGeom prst="rect">
+            <a:avLst/>
+          </a:prstGeom>
+        </p:spPr>
+        <p:txBody>
+          <a:bodyPr wrap="square">
+            <a:spAutoFit/>
+          </a:bodyPr>
+          <a:lstStyle/>
+          <a:p>
+            <a:r>
+              <a:rPr lang="en-US" altLang="zh-CN" dirty="0"/>
+              <a:t>More detailed notes </a:t>
+            </a:r>
+            <a:r>
+              <a:rPr lang="en-US" altLang="zh-CN" dirty="0">
+                <a:latin typeface="Consolas" panose="020B0609020204030204" pitchFamily="49" charset="0"/>
+              </a:rPr>
+              <a:t>=&gt;</a:t>
+            </a:r>
+            <a:r>
+              <a:rPr lang="en-US" altLang="zh-CN" dirty="0"/>
+              <a:t> </a:t>
+            </a:r>
+            <a:r>
+              <a:rPr lang="zh-CN" altLang="en-US" dirty="0"/>
+              <a:t>https://www.zybuluo.com/Dounm/note/529299</a:t>
+            </a:r>
+          </a:p>
+        </p:txBody>
+      </p:sp>
+    </p:spTree>
+    <p:extLst>
+      <p:ext uri="{BB962C8B-B14F-4D97-AF65-F5344CB8AC3E}">
+        <p14:creationId xmlns:p14="http://schemas.microsoft.com/office/powerpoint/2010/main" val="1287801938"/>
+      </p:ext>
+    </p:extLst>
+  </p:cSld>
+  <p:clrMapOvr>
+    <a:masterClrMapping/>
+  </p:clrMapOvr>
+</p:sld>
+</file>
+
+<file path=ppt/slides/slide6.xml><?xml version="1.0" encoding="utf-8"?>
+<p:sld xmlns:a="http://schemas.openxmlformats.org/drawingml/2006/main" xmlns:r="http://schemas.openxmlformats.org/officeDocument/2006/relationships" xmlns:p="http://schemas.openxmlformats.org/presentationml/2006/main">
+  <p:cSld>
+    <p:spTree>
+      <p:nvGrpSpPr>
+        <p:cNvPr id="1" name=""/>
+        <p:cNvGrpSpPr/>
+        <p:nvPr/>
+      </p:nvGrpSpPr>
+      <p:grpSpPr>
+        <a:xfrm>
+          <a:off x="0" y="0"/>
+          <a:ext cx="0" cy="0"/>
+          <a:chOff x="0" y="0"/>
+          <a:chExt cx="0" cy="0"/>
+        </a:xfrm>
+      </p:grpSpPr>
+      <p:sp>
+        <p:nvSpPr>
+          <p:cNvPr id="2" name="标题 1">
+            <a:extLst>
+              <a:ext uri="{FF2B5EF4-FFF2-40B4-BE49-F238E27FC236}">
+                <a16:creationId xmlns:a16="http://schemas.microsoft.com/office/drawing/2014/main" id="{8508EA4A-9136-48B4-B05E-FF9732E59C2A}"/>
+              </a:ext>
+            </a:extLst>
+          </p:cNvPr>
+          <p:cNvSpPr>
+            <a:spLocks noGrp="1"/>
+          </p:cNvSpPr>
+          <p:nvPr>
+            <p:ph type="title"/>
+          </p:nvPr>
+        </p:nvSpPr>
+        <p:spPr/>
+        <p:txBody>
+          <a:bodyPr/>
+          <a:lstStyle/>
+          <a:p>
+            <a:r>
+              <a:rPr lang="en-US" altLang="zh-CN" dirty="0" err="1">
+                <a:latin typeface="Consolas" panose="020B0609020204030204" pitchFamily="49" charset="0"/>
+              </a:rPr>
+              <a:t>ps</a:t>
+            </a:r>
+            <a:r>
+              <a:rPr lang="en-US" altLang="zh-CN" dirty="0">
+                <a:latin typeface="Consolas" panose="020B0609020204030204" pitchFamily="49" charset="0"/>
+              </a:rPr>
+              <a:t>-lite</a:t>
+            </a:r>
+            <a:r>
+              <a:rPr lang="en-US" altLang="zh-CN" dirty="0"/>
+              <a:t> Architecture</a:t>
+            </a:r>
+            <a:endParaRPr lang="zh-CN" altLang="en-US" dirty="0"/>
+          </a:p>
+        </p:txBody>
+      </p:sp>
+      <p:pic>
+        <p:nvPicPr>
+          <p:cNvPr id="10" name="内容占位符 9">
+            <a:extLst>
+              <a:ext uri="{FF2B5EF4-FFF2-40B4-BE49-F238E27FC236}">
+                <a16:creationId xmlns:a16="http://schemas.microsoft.com/office/drawing/2014/main" id="{DC7D3A1F-81AB-4698-AC92-532305738B43}"/>
+              </a:ext>
+            </a:extLst>
+          </p:cNvPr>
+          <p:cNvPicPr>
+            <a:picLocks noGrp="1" noChangeAspect="1"/>
+          </p:cNvPicPr>
+          <p:nvPr>
+            <p:ph idx="1"/>
+          </p:nvPr>
+        </p:nvPicPr>
+        <p:blipFill>
+          <a:blip r:embed="rId3"/>
+          <a:stretch>
+            <a:fillRect/>
+          </a:stretch>
+        </p:blipFill>
+        <p:spPr>
+          <a:xfrm>
+            <a:off x="1542504" y="1388125"/>
+            <a:ext cx="6173292" cy="5199962"/>
+          </a:xfrm>
+          <a:prstGeom prst="rect">
+            <a:avLst/>
+          </a:prstGeom>
+        </p:spPr>
+      </p:pic>
+    </p:spTree>
+    <p:extLst>
+      <p:ext uri="{BB962C8B-B14F-4D97-AF65-F5344CB8AC3E}">
+        <p14:creationId xmlns:p14="http://schemas.microsoft.com/office/powerpoint/2010/main" val="3589297513"/>
+      </p:ext>
+    </p:extLst>
+  </p:cSld>
+  <p:clrMapOvr>
+    <a:masterClrMapping/>
+  </p:clrMapOvr>
+</p:sld>
+</file>
+
+<file path=ppt/slides/slide7.xml><?xml version="1.0" encoding="utf-8"?>
+<p:sld xmlns:a="http://schemas.openxmlformats.org/drawingml/2006/main" xmlns:r="http://schemas.openxmlformats.org/officeDocument/2006/relationships" xmlns:p="http://schemas.openxmlformats.org/presentationml/2006/main">
+  <p:cSld>
+    <p:spTree>
+      <p:nvGrpSpPr>
+        <p:cNvPr id="1" name=""/>
+        <p:cNvGrpSpPr/>
+        <p:nvPr/>
+      </p:nvGrpSpPr>
+      <p:grpSpPr>
+        <a:xfrm>
+          <a:off x="0" y="0"/>
+          <a:ext cx="0" cy="0"/>
+          <a:chOff x="0" y="0"/>
+          <a:chExt cx="0" cy="0"/>
+        </a:xfrm>
+      </p:grpSpPr>
+      <p:sp>
+        <p:nvSpPr>
           <p:cNvPr id="7" name="矩形 6"/>
           <p:cNvSpPr/>
           <p:nvPr/>
@@ -4596,9 +7000,32 @@
           <a:prstGeom prst="ellipse">
             <a:avLst/>
           </a:prstGeom>
-          <a:solidFill>
-            <a:srgbClr val="00B0F0"/>
-          </a:solidFill>
+          <a:gradFill flip="none" rotWithShape="1">
+            <a:gsLst>
+              <a:gs pos="0">
+                <a:srgbClr val="00B0F0">
+                  <a:shade val="30000"/>
+                  <a:satMod val="115000"/>
+                </a:srgbClr>
+              </a:gs>
+              <a:gs pos="50000">
+                <a:srgbClr val="00B0F0">
+                  <a:shade val="67500"/>
+                  <a:satMod val="115000"/>
+                </a:srgbClr>
+              </a:gs>
+              <a:gs pos="100000">
+                <a:srgbClr val="00B0F0">
+                  <a:shade val="100000"/>
+                  <a:satMod val="115000"/>
+                </a:srgbClr>
+              </a:gs>
+            </a:gsLst>
+            <a:path path="circle">
+              <a:fillToRect l="50000" t="50000" r="50000" b="50000"/>
+            </a:path>
+            <a:tileRect/>
+          </a:gradFill>
           <a:ln>
             <a:solidFill>
               <a:srgbClr val="00B0F0"/>
@@ -4927,7 +7354,7 @@
         </p:nvSpPr>
         <p:spPr>
           <a:xfrm>
-            <a:off x="3509867" y="5591571"/>
+            <a:off x="3431240" y="5591571"/>
             <a:ext cx="1107996" cy="369332"/>
           </a:xfrm>
           <a:prstGeom prst="rect">
@@ -5254,7 +7681,7 @@
         </p:nvSpPr>
         <p:spPr>
           <a:xfrm>
-            <a:off x="3496162" y="5024907"/>
+            <a:off x="3431239" y="5024907"/>
             <a:ext cx="2954655" cy="369332"/>
           </a:xfrm>
           <a:prstGeom prst="rect">
@@ -5417,16 +7844,110 @@
         <a:srgbClr val="957A99"/>
       </a:folHlink>
     </a:clrScheme>
-    <a:fontScheme name="裁剪">
+    <a:fontScheme name="Office">
       <a:majorFont>
-        <a:latin typeface="Franklin Gothic Book" panose="020B0503020102020204"/>
+        <a:latin typeface="等线 Light" panose="020F0302020204030204"/>
         <a:ea typeface=""/>
         <a:cs typeface=""/>
+        <a:font script="Jpan" typeface="游ゴシック Light"/>
+        <a:font script="Hang" typeface="맑은 고딕"/>
+        <a:font script="Hans" typeface="等线 Light"/>
+        <a:font script="Hant" typeface="新細明體"/>
+        <a:font script="Arab" typeface="Times New Roman"/>
+        <a:font script="Hebr" typeface="Times New Roman"/>
+        <a:font script="Thai" typeface="Angsana New"/>
+        <a:font script="Ethi" typeface="Nyala"/>
+        <a:font script="Beng" typeface="Vrinda"/>
+        <a:font script="Gujr" typeface="Shruti"/>
+        <a:font script="Khmr" typeface="MoolBoran"/>
+        <a:font script="Knda" typeface="Tunga"/>
+        <a:font script="Guru" typeface="Raavi"/>
+        <a:font script="Cans" typeface="Euphemia"/>
+        <a:font script="Cher" typeface="Plantagenet Cherokee"/>
+        <a:font script="Yiii" typeface="Microsoft Yi Baiti"/>
+        <a:font script="Tibt" typeface="Microsoft Himalaya"/>
+        <a:font script="Thaa" typeface="MV Boli"/>
+        <a:font script="Deva" typeface="Mangal"/>
+        <a:font script="Telu" typeface="Gautami"/>
+        <a:font script="Taml" typeface="Latha"/>
+        <a:font script="Syrc" typeface="Estrangelo Edessa"/>
+        <a:font script="Orya" typeface="Kalinga"/>
+        <a:font script="Mlym" typeface="Kartika"/>
+        <a:font script="Laoo" typeface="DokChampa"/>
+        <a:font script="Sinh" typeface="Iskoola Pota"/>
+        <a:font script="Mong" typeface="Mongolian Baiti"/>
+        <a:font script="Viet" typeface="Times New Roman"/>
+        <a:font script="Uigh" typeface="Microsoft Uighur"/>
+        <a:font script="Geor" typeface="Sylfaen"/>
+        <a:font script="Armn" typeface="Arial"/>
+        <a:font script="Bugi" typeface="Leelawadee UI"/>
+        <a:font script="Bopo" typeface="Microsoft JhengHei"/>
+        <a:font script="Java" typeface="Javanese Text"/>
+        <a:font script="Lisu" typeface="Segoe UI"/>
+        <a:font script="Mymr" typeface="Myanmar Text"/>
+        <a:font script="Nkoo" typeface="Ebrima"/>
+        <a:font script="Olck" typeface="Nirmala UI"/>
+        <a:font script="Osma" typeface="Ebrima"/>
+        <a:font script="Phag" typeface="Phagspa"/>
+        <a:font script="Syrn" typeface="Estrangelo Edessa"/>
+        <a:font script="Syrj" typeface="Estrangelo Edessa"/>
+        <a:font script="Syre" typeface="Estrangelo Edessa"/>
+        <a:font script="Sora" typeface="Nirmala UI"/>
+        <a:font script="Tale" typeface="Microsoft Tai Le"/>
+        <a:font script="Talu" typeface="Microsoft New Tai Lue"/>
+        <a:font script="Tfng" typeface="Ebrima"/>
       </a:majorFont>
       <a:minorFont>
-        <a:latin typeface="Franklin Gothic Book" panose="020B0503020102020204"/>
+        <a:latin typeface="等线" panose="020F0502020204030204"/>
         <a:ea typeface=""/>
         <a:cs typeface=""/>
+        <a:font script="Jpan" typeface="游ゴシック"/>
+        <a:font script="Hang" typeface="맑은 고딕"/>
+        <a:font script="Hans" typeface="等线"/>
+        <a:font script="Hant" typeface="新細明體"/>
+        <a:font script="Arab" typeface="Arial"/>
+        <a:font script="Hebr" typeface="Arial"/>
+        <a:font script="Thai" typeface="Cordia New"/>
+        <a:font script="Ethi" typeface="Nyala"/>
+        <a:font script="Beng" typeface="Vrinda"/>
+        <a:font script="Gujr" typeface="Shruti"/>
+        <a:font script="Khmr" typeface="DaunPenh"/>
+        <a:font script="Knda" typeface="Tunga"/>
+        <a:font script="Guru" typeface="Raavi"/>
+        <a:font script="Cans" typeface="Euphemia"/>
+        <a:font script="Cher" typeface="Plantagenet Cherokee"/>
+        <a:font script="Yiii" typeface="Microsoft Yi Baiti"/>
+        <a:font script="Tibt" typeface="Microsoft Himalaya"/>
+        <a:font script="Thaa" typeface="MV Boli"/>
+        <a:font script="Deva" typeface="Mangal"/>
+        <a:font script="Telu" typeface="Gautami"/>
+        <a:font script="Taml" typeface="Latha"/>
+        <a:font script="Syrc" typeface="Estrangelo Edessa"/>
+        <a:font script="Orya" typeface="Kalinga"/>
+        <a:font script="Mlym" typeface="Kartika"/>
+        <a:font script="Laoo" typeface="DokChampa"/>
+        <a:font script="Sinh" typeface="Iskoola Pota"/>
+        <a:font script="Mong" typeface="Mongolian Baiti"/>
+        <a:font script="Viet" typeface="Arial"/>
+        <a:font script="Uigh" typeface="Microsoft Uighur"/>
+        <a:font script="Geor" typeface="Sylfaen"/>
+        <a:font script="Armn" typeface="Arial"/>
+        <a:font script="Bugi" typeface="Leelawadee UI"/>
+        <a:font script="Bopo" typeface="Microsoft JhengHei"/>
+        <a:font script="Java" typeface="Javanese Text"/>
+        <a:font script="Lisu" typeface="Segoe UI"/>
+        <a:font script="Mymr" typeface="Myanmar Text"/>
+        <a:font script="Nkoo" typeface="Ebrima"/>
+        <a:font script="Olck" typeface="Nirmala UI"/>
+        <a:font script="Osma" typeface="Ebrima"/>
+        <a:font script="Phag" typeface="Phagspa"/>
+        <a:font script="Syrn" typeface="Estrangelo Edessa"/>
+        <a:font script="Syrj" typeface="Estrangelo Edessa"/>
+        <a:font script="Syre" typeface="Estrangelo Edessa"/>
+        <a:font script="Sora" typeface="Nirmala UI"/>
+        <a:font script="Tale" typeface="Microsoft Tai Le"/>
+        <a:font script="Talu" typeface="Microsoft New Tai Lue"/>
+        <a:font script="Tfng" typeface="Ebrima"/>
       </a:minorFont>
     </a:fontScheme>
     <a:fmtScheme name="裁剪">
